--- a/3mt-2023/slide.pptx
+++ b/3mt-2023/slide.pptx
@@ -10,8 +10,15 @@
   <p:sldIdLst>
     <p:sldId id="301" r:id="rId2"/>
   </p:sldIdLst>
-  <p:sldSz cx="9144000" cy="6858000" type="screen4x3"/>
+  <p:sldSz cx="9144000" cy="5143500" type="screen16x9"/>
   <p:notesSz cx="6858000" cy="9144000"/>
+  <p:embeddedFontLst>
+    <p:embeddedFont>
+      <p:font typeface="Tahoma" panose="020B0604030504040204" pitchFamily="34" charset="0"/>
+      <p:regular r:id="rId4"/>
+      <p:bold r:id="rId5"/>
+    </p:embeddedFont>
+  </p:embeddedFontLst>
   <p:defaultTextStyle>
     <a:defPPr marR="0" lvl="0" algn="l" rtl="0">
       <a:lnSpc>
@@ -244,12 +251,12 @@
   <p:extLst>
     <p:ext uri="{EFAFB233-063F-42B5-8137-9DF3F51BA10A}">
       <p15:sldGuideLst xmlns:p15="http://schemas.microsoft.com/office/powerpoint/2012/main">
-        <p15:guide id="1" orient="horz" pos="2160">
+        <p15:guide id="1" orient="horz" pos="1620" userDrawn="1">
           <p15:clr>
             <a:srgbClr val="A4A3A4"/>
           </p15:clr>
         </p15:guide>
-        <p15:guide id="2" pos="2880">
+        <p15:guide id="2" pos="2880" userDrawn="1">
           <p15:clr>
             <a:srgbClr val="A4A3A4"/>
           </p15:clr>
@@ -312,8 +319,8 @@
         </p:nvSpPr>
         <p:spPr>
           <a:xfrm>
-            <a:off x="1143309" y="685800"/>
-            <a:ext cx="4572000" cy="3429000"/>
+            <a:off x="381000" y="685800"/>
+            <a:ext cx="6096000" cy="3429000"/>
           </a:xfrm>
           <a:custGeom>
             <a:avLst/>
@@ -883,8 +890,8 @@
         </p:nvSpPr>
         <p:spPr>
           <a:xfrm>
-            <a:off x="1143000" y="685800"/>
-            <a:ext cx="4572000" cy="3429000"/>
+            <a:off x="381000" y="685800"/>
+            <a:ext cx="6096000" cy="3429000"/>
           </a:xfrm>
           <a:custGeom>
             <a:avLst/>
@@ -1010,8 +1017,8 @@
         </p:nvSpPr>
         <p:spPr>
           <a:xfrm>
-            <a:off x="311700" y="2867800"/>
-            <a:ext cx="8520600" cy="1122300"/>
+            <a:off x="311700" y="2150850"/>
+            <a:ext cx="8520600" cy="841725"/>
           </a:xfrm>
           <a:prstGeom prst="rect">
             <a:avLst/>
@@ -1038,7 +1045,7 @@
               </a:spcAft>
               <a:buSzPts val="3600"/>
               <a:buNone/>
-              <a:defRPr sz="3600"/>
+              <a:defRPr sz="2700"/>
             </a:lvl1pPr>
             <a:lvl2pPr lvl="1" algn="ctr">
               <a:lnSpc>
@@ -1052,7 +1059,7 @@
               </a:spcAft>
               <a:buSzPts val="3600"/>
               <a:buNone/>
-              <a:defRPr sz="3600"/>
+              <a:defRPr sz="2700"/>
             </a:lvl2pPr>
             <a:lvl3pPr lvl="2" algn="ctr">
               <a:lnSpc>
@@ -1066,7 +1073,7 @@
               </a:spcAft>
               <a:buSzPts val="3600"/>
               <a:buNone/>
-              <a:defRPr sz="3600"/>
+              <a:defRPr sz="2700"/>
             </a:lvl3pPr>
             <a:lvl4pPr lvl="3" algn="ctr">
               <a:lnSpc>
@@ -1080,7 +1087,7 @@
               </a:spcAft>
               <a:buSzPts val="3600"/>
               <a:buNone/>
-              <a:defRPr sz="3600"/>
+              <a:defRPr sz="2700"/>
             </a:lvl4pPr>
             <a:lvl5pPr lvl="4" algn="ctr">
               <a:lnSpc>
@@ -1094,7 +1101,7 @@
               </a:spcAft>
               <a:buSzPts val="3600"/>
               <a:buNone/>
-              <a:defRPr sz="3600"/>
+              <a:defRPr sz="2700"/>
             </a:lvl5pPr>
             <a:lvl6pPr lvl="5" algn="ctr">
               <a:lnSpc>
@@ -1108,7 +1115,7 @@
               </a:spcAft>
               <a:buSzPts val="3600"/>
               <a:buNone/>
-              <a:defRPr sz="3600"/>
+              <a:defRPr sz="2700"/>
             </a:lvl6pPr>
             <a:lvl7pPr lvl="6" algn="ctr">
               <a:lnSpc>
@@ -1122,7 +1129,7 @@
               </a:spcAft>
               <a:buSzPts val="3600"/>
               <a:buNone/>
-              <a:defRPr sz="3600"/>
+              <a:defRPr sz="2700"/>
             </a:lvl7pPr>
             <a:lvl8pPr lvl="7" algn="ctr">
               <a:lnSpc>
@@ -1136,7 +1143,7 @@
               </a:spcAft>
               <a:buSzPts val="3600"/>
               <a:buNone/>
-              <a:defRPr sz="3600"/>
+              <a:defRPr sz="2700"/>
             </a:lvl8pPr>
             <a:lvl9pPr lvl="8" algn="ctr">
               <a:lnSpc>
@@ -1150,7 +1157,7 @@
               </a:spcAft>
               <a:buSzPts val="3600"/>
               <a:buNone/>
-              <a:defRPr sz="3600"/>
+              <a:defRPr sz="2700"/>
             </a:lvl9pPr>
           </a:lstStyle>
           <a:p>
@@ -1170,8 +1177,8 @@
         </p:nvSpPr>
         <p:spPr>
           <a:xfrm>
-            <a:off x="8472458" y="6217622"/>
-            <a:ext cx="548700" cy="524700"/>
+            <a:off x="8472458" y="4663217"/>
+            <a:ext cx="548700" cy="393525"/>
           </a:xfrm>
           <a:prstGeom prst="rect">
             <a:avLst/>
@@ -1202,7 +1209,7 @@
               <a:buSzPts val="1000"/>
               <a:buFont typeface="Arial"/>
               <a:buNone/>
-              <a:defRPr sz="1000" b="0" i="0" u="none" strike="noStrike" cap="none">
+              <a:defRPr sz="750" b="0" i="0" u="none" strike="noStrike" cap="none">
                 <a:solidFill>
                   <a:schemeClr val="dk2"/>
                 </a:solidFill>
@@ -1228,7 +1235,7 @@
               <a:buSzPts val="1000"/>
               <a:buFont typeface="Arial"/>
               <a:buNone/>
-              <a:defRPr sz="1000" b="0" i="0" u="none" strike="noStrike" cap="none">
+              <a:defRPr sz="750" b="0" i="0" u="none" strike="noStrike" cap="none">
                 <a:solidFill>
                   <a:schemeClr val="dk2"/>
                 </a:solidFill>
@@ -1254,7 +1261,7 @@
               <a:buSzPts val="1000"/>
               <a:buFont typeface="Arial"/>
               <a:buNone/>
-              <a:defRPr sz="1000" b="0" i="0" u="none" strike="noStrike" cap="none">
+              <a:defRPr sz="750" b="0" i="0" u="none" strike="noStrike" cap="none">
                 <a:solidFill>
                   <a:schemeClr val="dk2"/>
                 </a:solidFill>
@@ -1280,7 +1287,7 @@
               <a:buSzPts val="1000"/>
               <a:buFont typeface="Arial"/>
               <a:buNone/>
-              <a:defRPr sz="1000" b="0" i="0" u="none" strike="noStrike" cap="none">
+              <a:defRPr sz="750" b="0" i="0" u="none" strike="noStrike" cap="none">
                 <a:solidFill>
                   <a:schemeClr val="dk2"/>
                 </a:solidFill>
@@ -1306,7 +1313,7 @@
               <a:buSzPts val="1000"/>
               <a:buFont typeface="Arial"/>
               <a:buNone/>
-              <a:defRPr sz="1000" b="0" i="0" u="none" strike="noStrike" cap="none">
+              <a:defRPr sz="750" b="0" i="0" u="none" strike="noStrike" cap="none">
                 <a:solidFill>
                   <a:schemeClr val="dk2"/>
                 </a:solidFill>
@@ -1332,7 +1339,7 @@
               <a:buSzPts val="1000"/>
               <a:buFont typeface="Arial"/>
               <a:buNone/>
-              <a:defRPr sz="1000" b="0" i="0" u="none" strike="noStrike" cap="none">
+              <a:defRPr sz="750" b="0" i="0" u="none" strike="noStrike" cap="none">
                 <a:solidFill>
                   <a:schemeClr val="dk2"/>
                 </a:solidFill>
@@ -1358,7 +1365,7 @@
               <a:buSzPts val="1000"/>
               <a:buFont typeface="Arial"/>
               <a:buNone/>
-              <a:defRPr sz="1000" b="0" i="0" u="none" strike="noStrike" cap="none">
+              <a:defRPr sz="750" b="0" i="0" u="none" strike="noStrike" cap="none">
                 <a:solidFill>
                   <a:schemeClr val="dk2"/>
                 </a:solidFill>
@@ -1384,7 +1391,7 @@
               <a:buSzPts val="1000"/>
               <a:buFont typeface="Arial"/>
               <a:buNone/>
-              <a:defRPr sz="1000" b="0" i="0" u="none" strike="noStrike" cap="none">
+              <a:defRPr sz="750" b="0" i="0" u="none" strike="noStrike" cap="none">
                 <a:solidFill>
                   <a:schemeClr val="dk2"/>
                 </a:solidFill>
@@ -1410,7 +1417,7 @@
               <a:buSzPts val="1000"/>
               <a:buFont typeface="Arial"/>
               <a:buNone/>
-              <a:defRPr sz="1000" b="0" i="0" u="none" strike="noStrike" cap="none">
+              <a:defRPr sz="750" b="0" i="0" u="none" strike="noStrike" cap="none">
                 <a:solidFill>
                   <a:schemeClr val="dk2"/>
                 </a:solidFill>
@@ -1422,20 +1429,12 @@
             </a:lvl9pPr>
           </a:lstStyle>
           <a:p>
-            <a:pPr marL="0" lvl="0" indent="0" algn="r" rtl="0">
-              <a:spcBef>
-                <a:spcPts val="0"/>
-              </a:spcBef>
-              <a:spcAft>
-                <a:spcPts val="0"/>
-              </a:spcAft>
-              <a:buNone/>
-            </a:pPr>
             <a:fld id="{00000000-1234-1234-1234-123412341234}" type="slidenum">
-              <a:rPr lang="en"/>
+              <a:rPr lang="en" smtClean="0"/>
+              <a:pPr/>
               <a:t>‹#›</a:t>
             </a:fld>
-            <a:endParaRPr/>
+            <a:endParaRPr lang="en"/>
           </a:p>
         </p:txBody>
       </p:sp>
@@ -1484,8 +1483,8 @@
         </p:nvSpPr>
         <p:spPr>
           <a:xfrm>
-            <a:off x="311700" y="593367"/>
-            <a:ext cx="8520600" cy="763500"/>
+            <a:off x="311700" y="445025"/>
+            <a:ext cx="8520600" cy="572625"/>
           </a:xfrm>
           <a:prstGeom prst="rect">
             <a:avLst/>
@@ -1644,8 +1643,8 @@
         </p:nvSpPr>
         <p:spPr>
           <a:xfrm>
-            <a:off x="311700" y="1536633"/>
-            <a:ext cx="3999900" cy="4555200"/>
+            <a:off x="311700" y="1152475"/>
+            <a:ext cx="3999900" cy="3416400"/>
           </a:xfrm>
           <a:prstGeom prst="rect">
             <a:avLst/>
@@ -1660,7 +1659,7 @@
             <a:noAutofit/>
           </a:bodyPr>
           <a:lstStyle>
-            <a:lvl1pPr marL="457200" lvl="0" indent="-317500" algn="l">
+            <a:lvl1pPr marL="342900" lvl="0" indent="-238125" algn="l">
               <a:lnSpc>
                 <a:spcPct val="115000"/>
               </a:lnSpc>
@@ -1672,119 +1671,119 @@
               </a:spcAft>
               <a:buSzPts val="1400"/>
               <a:buChar char="●"/>
-              <a:defRPr sz="1400"/>
+              <a:defRPr sz="1050"/>
             </a:lvl1pPr>
-            <a:lvl2pPr marL="914400" lvl="1" indent="-304800" algn="l">
+            <a:lvl2pPr marL="685800" lvl="1" indent="-228600" algn="l">
               <a:lnSpc>
                 <a:spcPct val="115000"/>
               </a:lnSpc>
               <a:spcBef>
-                <a:spcPts val="1600"/>
+                <a:spcPts val="1200"/>
               </a:spcBef>
               <a:spcAft>
                 <a:spcPts val="0"/>
               </a:spcAft>
               <a:buSzPts val="1200"/>
               <a:buChar char="○"/>
-              <a:defRPr sz="1200"/>
+              <a:defRPr sz="900"/>
             </a:lvl2pPr>
-            <a:lvl3pPr marL="1371600" lvl="2" indent="-304800" algn="l">
+            <a:lvl3pPr marL="1028700" lvl="2" indent="-228600" algn="l">
               <a:lnSpc>
                 <a:spcPct val="115000"/>
               </a:lnSpc>
               <a:spcBef>
-                <a:spcPts val="1600"/>
+                <a:spcPts val="1200"/>
               </a:spcBef>
               <a:spcAft>
                 <a:spcPts val="0"/>
               </a:spcAft>
               <a:buSzPts val="1200"/>
               <a:buChar char="■"/>
-              <a:defRPr sz="1200"/>
+              <a:defRPr sz="900"/>
             </a:lvl3pPr>
-            <a:lvl4pPr marL="1828800" lvl="3" indent="-304800" algn="l">
+            <a:lvl4pPr marL="1371600" lvl="3" indent="-228600" algn="l">
               <a:lnSpc>
                 <a:spcPct val="115000"/>
               </a:lnSpc>
               <a:spcBef>
-                <a:spcPts val="1600"/>
+                <a:spcPts val="1200"/>
               </a:spcBef>
               <a:spcAft>
                 <a:spcPts val="0"/>
               </a:spcAft>
               <a:buSzPts val="1200"/>
               <a:buChar char="●"/>
-              <a:defRPr sz="1200"/>
+              <a:defRPr sz="900"/>
             </a:lvl4pPr>
-            <a:lvl5pPr marL="2286000" lvl="4" indent="-304800" algn="l">
+            <a:lvl5pPr marL="1714500" lvl="4" indent="-228600" algn="l">
               <a:lnSpc>
                 <a:spcPct val="115000"/>
               </a:lnSpc>
               <a:spcBef>
-                <a:spcPts val="1600"/>
+                <a:spcPts val="1200"/>
               </a:spcBef>
               <a:spcAft>
                 <a:spcPts val="0"/>
               </a:spcAft>
               <a:buSzPts val="1200"/>
               <a:buChar char="○"/>
-              <a:defRPr sz="1200"/>
+              <a:defRPr sz="900"/>
             </a:lvl5pPr>
-            <a:lvl6pPr marL="2743200" lvl="5" indent="-304800" algn="l">
+            <a:lvl6pPr marL="2057400" lvl="5" indent="-228600" algn="l">
               <a:lnSpc>
                 <a:spcPct val="115000"/>
               </a:lnSpc>
               <a:spcBef>
-                <a:spcPts val="1600"/>
+                <a:spcPts val="1200"/>
               </a:spcBef>
               <a:spcAft>
                 <a:spcPts val="0"/>
               </a:spcAft>
               <a:buSzPts val="1200"/>
               <a:buChar char="■"/>
-              <a:defRPr sz="1200"/>
+              <a:defRPr sz="900"/>
             </a:lvl6pPr>
-            <a:lvl7pPr marL="3200400" lvl="6" indent="-304800" algn="l">
+            <a:lvl7pPr marL="2400300" lvl="6" indent="-228600" algn="l">
               <a:lnSpc>
                 <a:spcPct val="115000"/>
               </a:lnSpc>
               <a:spcBef>
-                <a:spcPts val="1600"/>
+                <a:spcPts val="1200"/>
               </a:spcBef>
               <a:spcAft>
                 <a:spcPts val="0"/>
               </a:spcAft>
               <a:buSzPts val="1200"/>
               <a:buChar char="●"/>
-              <a:defRPr sz="1200"/>
+              <a:defRPr sz="900"/>
             </a:lvl7pPr>
-            <a:lvl8pPr marL="3657600" lvl="7" indent="-304800" algn="l">
+            <a:lvl8pPr marL="2743200" lvl="7" indent="-228600" algn="l">
               <a:lnSpc>
                 <a:spcPct val="115000"/>
               </a:lnSpc>
               <a:spcBef>
-                <a:spcPts val="1600"/>
+                <a:spcPts val="1200"/>
               </a:spcBef>
               <a:spcAft>
                 <a:spcPts val="0"/>
               </a:spcAft>
               <a:buSzPts val="1200"/>
               <a:buChar char="○"/>
-              <a:defRPr sz="1200"/>
+              <a:defRPr sz="900"/>
             </a:lvl8pPr>
-            <a:lvl9pPr marL="4114800" lvl="8" indent="-304800" algn="l">
+            <a:lvl9pPr marL="3086100" lvl="8" indent="-228600" algn="l">
               <a:lnSpc>
                 <a:spcPct val="115000"/>
               </a:lnSpc>
               <a:spcBef>
-                <a:spcPts val="1600"/>
-              </a:spcBef>
-              <a:spcAft>
-                <a:spcPts val="1600"/>
+                <a:spcPts val="1200"/>
+              </a:spcBef>
+              <a:spcAft>
+                <a:spcPts val="1200"/>
               </a:spcAft>
               <a:buSzPts val="1200"/>
               <a:buChar char="■"/>
-              <a:defRPr sz="1200"/>
+              <a:defRPr sz="900"/>
             </a:lvl9pPr>
           </a:lstStyle>
           <a:p>
@@ -1804,8 +1803,8 @@
         </p:nvSpPr>
         <p:spPr>
           <a:xfrm>
-            <a:off x="4832400" y="1536633"/>
-            <a:ext cx="3999900" cy="4555200"/>
+            <a:off x="4832400" y="1152475"/>
+            <a:ext cx="3999900" cy="3416400"/>
           </a:xfrm>
           <a:prstGeom prst="rect">
             <a:avLst/>
@@ -1820,7 +1819,7 @@
             <a:noAutofit/>
           </a:bodyPr>
           <a:lstStyle>
-            <a:lvl1pPr marL="457200" lvl="0" indent="-317500" algn="l">
+            <a:lvl1pPr marL="342900" lvl="0" indent="-238125" algn="l">
               <a:lnSpc>
                 <a:spcPct val="115000"/>
               </a:lnSpc>
@@ -1832,119 +1831,119 @@
               </a:spcAft>
               <a:buSzPts val="1400"/>
               <a:buChar char="●"/>
-              <a:defRPr sz="1400"/>
+              <a:defRPr sz="1050"/>
             </a:lvl1pPr>
-            <a:lvl2pPr marL="914400" lvl="1" indent="-304800" algn="l">
+            <a:lvl2pPr marL="685800" lvl="1" indent="-228600" algn="l">
               <a:lnSpc>
                 <a:spcPct val="115000"/>
               </a:lnSpc>
               <a:spcBef>
-                <a:spcPts val="1600"/>
+                <a:spcPts val="1200"/>
               </a:spcBef>
               <a:spcAft>
                 <a:spcPts val="0"/>
               </a:spcAft>
               <a:buSzPts val="1200"/>
               <a:buChar char="○"/>
-              <a:defRPr sz="1200"/>
+              <a:defRPr sz="900"/>
             </a:lvl2pPr>
-            <a:lvl3pPr marL="1371600" lvl="2" indent="-304800" algn="l">
+            <a:lvl3pPr marL="1028700" lvl="2" indent="-228600" algn="l">
               <a:lnSpc>
                 <a:spcPct val="115000"/>
               </a:lnSpc>
               <a:spcBef>
-                <a:spcPts val="1600"/>
+                <a:spcPts val="1200"/>
               </a:spcBef>
               <a:spcAft>
                 <a:spcPts val="0"/>
               </a:spcAft>
               <a:buSzPts val="1200"/>
               <a:buChar char="■"/>
-              <a:defRPr sz="1200"/>
+              <a:defRPr sz="900"/>
             </a:lvl3pPr>
-            <a:lvl4pPr marL="1828800" lvl="3" indent="-304800" algn="l">
+            <a:lvl4pPr marL="1371600" lvl="3" indent="-228600" algn="l">
               <a:lnSpc>
                 <a:spcPct val="115000"/>
               </a:lnSpc>
               <a:spcBef>
-                <a:spcPts val="1600"/>
+                <a:spcPts val="1200"/>
               </a:spcBef>
               <a:spcAft>
                 <a:spcPts val="0"/>
               </a:spcAft>
               <a:buSzPts val="1200"/>
               <a:buChar char="●"/>
-              <a:defRPr sz="1200"/>
+              <a:defRPr sz="900"/>
             </a:lvl4pPr>
-            <a:lvl5pPr marL="2286000" lvl="4" indent="-304800" algn="l">
+            <a:lvl5pPr marL="1714500" lvl="4" indent="-228600" algn="l">
               <a:lnSpc>
                 <a:spcPct val="115000"/>
               </a:lnSpc>
               <a:spcBef>
-                <a:spcPts val="1600"/>
+                <a:spcPts val="1200"/>
               </a:spcBef>
               <a:spcAft>
                 <a:spcPts val="0"/>
               </a:spcAft>
               <a:buSzPts val="1200"/>
               <a:buChar char="○"/>
-              <a:defRPr sz="1200"/>
+              <a:defRPr sz="900"/>
             </a:lvl5pPr>
-            <a:lvl6pPr marL="2743200" lvl="5" indent="-304800" algn="l">
+            <a:lvl6pPr marL="2057400" lvl="5" indent="-228600" algn="l">
               <a:lnSpc>
                 <a:spcPct val="115000"/>
               </a:lnSpc>
               <a:spcBef>
-                <a:spcPts val="1600"/>
+                <a:spcPts val="1200"/>
               </a:spcBef>
               <a:spcAft>
                 <a:spcPts val="0"/>
               </a:spcAft>
               <a:buSzPts val="1200"/>
               <a:buChar char="■"/>
-              <a:defRPr sz="1200"/>
+              <a:defRPr sz="900"/>
             </a:lvl6pPr>
-            <a:lvl7pPr marL="3200400" lvl="6" indent="-304800" algn="l">
+            <a:lvl7pPr marL="2400300" lvl="6" indent="-228600" algn="l">
               <a:lnSpc>
                 <a:spcPct val="115000"/>
               </a:lnSpc>
               <a:spcBef>
-                <a:spcPts val="1600"/>
+                <a:spcPts val="1200"/>
               </a:spcBef>
               <a:spcAft>
                 <a:spcPts val="0"/>
               </a:spcAft>
               <a:buSzPts val="1200"/>
               <a:buChar char="●"/>
-              <a:defRPr sz="1200"/>
+              <a:defRPr sz="900"/>
             </a:lvl7pPr>
-            <a:lvl8pPr marL="3657600" lvl="7" indent="-304800" algn="l">
+            <a:lvl8pPr marL="2743200" lvl="7" indent="-228600" algn="l">
               <a:lnSpc>
                 <a:spcPct val="115000"/>
               </a:lnSpc>
               <a:spcBef>
-                <a:spcPts val="1600"/>
+                <a:spcPts val="1200"/>
               </a:spcBef>
               <a:spcAft>
                 <a:spcPts val="0"/>
               </a:spcAft>
               <a:buSzPts val="1200"/>
               <a:buChar char="○"/>
-              <a:defRPr sz="1200"/>
+              <a:defRPr sz="900"/>
             </a:lvl8pPr>
-            <a:lvl9pPr marL="4114800" lvl="8" indent="-304800" algn="l">
+            <a:lvl9pPr marL="3086100" lvl="8" indent="-228600" algn="l">
               <a:lnSpc>
                 <a:spcPct val="115000"/>
               </a:lnSpc>
               <a:spcBef>
-                <a:spcPts val="1600"/>
-              </a:spcBef>
-              <a:spcAft>
-                <a:spcPts val="1600"/>
+                <a:spcPts val="1200"/>
+              </a:spcBef>
+              <a:spcAft>
+                <a:spcPts val="1200"/>
               </a:spcAft>
               <a:buSzPts val="1200"/>
               <a:buChar char="■"/>
-              <a:defRPr sz="1200"/>
+              <a:defRPr sz="900"/>
             </a:lvl9pPr>
           </a:lstStyle>
           <a:p>
@@ -1964,8 +1963,8 @@
         </p:nvSpPr>
         <p:spPr>
           <a:xfrm>
-            <a:off x="8472458" y="6217622"/>
-            <a:ext cx="548700" cy="524700"/>
+            <a:off x="8472458" y="4663217"/>
+            <a:ext cx="548700" cy="393525"/>
           </a:xfrm>
           <a:prstGeom prst="rect">
             <a:avLst/>
@@ -1996,7 +1995,7 @@
               <a:buSzPts val="1000"/>
               <a:buFont typeface="Arial"/>
               <a:buNone/>
-              <a:defRPr sz="1000" b="0" i="0" u="none" strike="noStrike" cap="none">
+              <a:defRPr sz="750" b="0" i="0" u="none" strike="noStrike" cap="none">
                 <a:solidFill>
                   <a:schemeClr val="dk2"/>
                 </a:solidFill>
@@ -2022,7 +2021,7 @@
               <a:buSzPts val="1000"/>
               <a:buFont typeface="Arial"/>
               <a:buNone/>
-              <a:defRPr sz="1000" b="0" i="0" u="none" strike="noStrike" cap="none">
+              <a:defRPr sz="750" b="0" i="0" u="none" strike="noStrike" cap="none">
                 <a:solidFill>
                   <a:schemeClr val="dk2"/>
                 </a:solidFill>
@@ -2048,7 +2047,7 @@
               <a:buSzPts val="1000"/>
               <a:buFont typeface="Arial"/>
               <a:buNone/>
-              <a:defRPr sz="1000" b="0" i="0" u="none" strike="noStrike" cap="none">
+              <a:defRPr sz="750" b="0" i="0" u="none" strike="noStrike" cap="none">
                 <a:solidFill>
                   <a:schemeClr val="dk2"/>
                 </a:solidFill>
@@ -2074,7 +2073,7 @@
               <a:buSzPts val="1000"/>
               <a:buFont typeface="Arial"/>
               <a:buNone/>
-              <a:defRPr sz="1000" b="0" i="0" u="none" strike="noStrike" cap="none">
+              <a:defRPr sz="750" b="0" i="0" u="none" strike="noStrike" cap="none">
                 <a:solidFill>
                   <a:schemeClr val="dk2"/>
                 </a:solidFill>
@@ -2100,7 +2099,7 @@
               <a:buSzPts val="1000"/>
               <a:buFont typeface="Arial"/>
               <a:buNone/>
-              <a:defRPr sz="1000" b="0" i="0" u="none" strike="noStrike" cap="none">
+              <a:defRPr sz="750" b="0" i="0" u="none" strike="noStrike" cap="none">
                 <a:solidFill>
                   <a:schemeClr val="dk2"/>
                 </a:solidFill>
@@ -2126,7 +2125,7 @@
               <a:buSzPts val="1000"/>
               <a:buFont typeface="Arial"/>
               <a:buNone/>
-              <a:defRPr sz="1000" b="0" i="0" u="none" strike="noStrike" cap="none">
+              <a:defRPr sz="750" b="0" i="0" u="none" strike="noStrike" cap="none">
                 <a:solidFill>
                   <a:schemeClr val="dk2"/>
                 </a:solidFill>
@@ -2152,7 +2151,7 @@
               <a:buSzPts val="1000"/>
               <a:buFont typeface="Arial"/>
               <a:buNone/>
-              <a:defRPr sz="1000" b="0" i="0" u="none" strike="noStrike" cap="none">
+              <a:defRPr sz="750" b="0" i="0" u="none" strike="noStrike" cap="none">
                 <a:solidFill>
                   <a:schemeClr val="dk2"/>
                 </a:solidFill>
@@ -2178,7 +2177,7 @@
               <a:buSzPts val="1000"/>
               <a:buFont typeface="Arial"/>
               <a:buNone/>
-              <a:defRPr sz="1000" b="0" i="0" u="none" strike="noStrike" cap="none">
+              <a:defRPr sz="750" b="0" i="0" u="none" strike="noStrike" cap="none">
                 <a:solidFill>
                   <a:schemeClr val="dk2"/>
                 </a:solidFill>
@@ -2204,7 +2203,7 @@
               <a:buSzPts val="1000"/>
               <a:buFont typeface="Arial"/>
               <a:buNone/>
-              <a:defRPr sz="1000" b="0" i="0" u="none" strike="noStrike" cap="none">
+              <a:defRPr sz="750" b="0" i="0" u="none" strike="noStrike" cap="none">
                 <a:solidFill>
                   <a:schemeClr val="dk2"/>
                 </a:solidFill>
@@ -2216,20 +2215,12 @@
             </a:lvl9pPr>
           </a:lstStyle>
           <a:p>
-            <a:pPr marL="0" lvl="0" indent="0" algn="r" rtl="0">
-              <a:spcBef>
-                <a:spcPts val="0"/>
-              </a:spcBef>
-              <a:spcAft>
-                <a:spcPts val="0"/>
-              </a:spcAft>
-              <a:buNone/>
-            </a:pPr>
             <a:fld id="{00000000-1234-1234-1234-123412341234}" type="slidenum">
-              <a:rPr lang="en"/>
+              <a:rPr lang="en" smtClean="0"/>
+              <a:pPr/>
               <a:t>‹#›</a:t>
             </a:fld>
-            <a:endParaRPr/>
+            <a:endParaRPr lang="en"/>
           </a:p>
         </p:txBody>
       </p:sp>
@@ -2278,8 +2269,8 @@
         </p:nvSpPr>
         <p:spPr>
           <a:xfrm>
-            <a:off x="311700" y="740800"/>
-            <a:ext cx="2808000" cy="1007700"/>
+            <a:off x="311700" y="555600"/>
+            <a:ext cx="2808000" cy="755775"/>
           </a:xfrm>
           <a:prstGeom prst="rect">
             <a:avLst/>
@@ -2306,7 +2297,7 @@
               </a:spcAft>
               <a:buSzPts val="2400"/>
               <a:buNone/>
-              <a:defRPr sz="2400"/>
+              <a:defRPr sz="1800"/>
             </a:lvl1pPr>
             <a:lvl2pPr lvl="1" algn="l">
               <a:lnSpc>
@@ -2320,7 +2311,7 @@
               </a:spcAft>
               <a:buSzPts val="2400"/>
               <a:buNone/>
-              <a:defRPr sz="2400"/>
+              <a:defRPr sz="1800"/>
             </a:lvl2pPr>
             <a:lvl3pPr lvl="2" algn="l">
               <a:lnSpc>
@@ -2334,7 +2325,7 @@
               </a:spcAft>
               <a:buSzPts val="2400"/>
               <a:buNone/>
-              <a:defRPr sz="2400"/>
+              <a:defRPr sz="1800"/>
             </a:lvl3pPr>
             <a:lvl4pPr lvl="3" algn="l">
               <a:lnSpc>
@@ -2348,7 +2339,7 @@
               </a:spcAft>
               <a:buSzPts val="2400"/>
               <a:buNone/>
-              <a:defRPr sz="2400"/>
+              <a:defRPr sz="1800"/>
             </a:lvl4pPr>
             <a:lvl5pPr lvl="4" algn="l">
               <a:lnSpc>
@@ -2362,7 +2353,7 @@
               </a:spcAft>
               <a:buSzPts val="2400"/>
               <a:buNone/>
-              <a:defRPr sz="2400"/>
+              <a:defRPr sz="1800"/>
             </a:lvl5pPr>
             <a:lvl6pPr lvl="5" algn="l">
               <a:lnSpc>
@@ -2376,7 +2367,7 @@
               </a:spcAft>
               <a:buSzPts val="2400"/>
               <a:buNone/>
-              <a:defRPr sz="2400"/>
+              <a:defRPr sz="1800"/>
             </a:lvl6pPr>
             <a:lvl7pPr lvl="6" algn="l">
               <a:lnSpc>
@@ -2390,7 +2381,7 @@
               </a:spcAft>
               <a:buSzPts val="2400"/>
               <a:buNone/>
-              <a:defRPr sz="2400"/>
+              <a:defRPr sz="1800"/>
             </a:lvl7pPr>
             <a:lvl8pPr lvl="7" algn="l">
               <a:lnSpc>
@@ -2404,7 +2395,7 @@
               </a:spcAft>
               <a:buSzPts val="2400"/>
               <a:buNone/>
-              <a:defRPr sz="2400"/>
+              <a:defRPr sz="1800"/>
             </a:lvl8pPr>
             <a:lvl9pPr lvl="8" algn="l">
               <a:lnSpc>
@@ -2418,7 +2409,7 @@
               </a:spcAft>
               <a:buSzPts val="2400"/>
               <a:buNone/>
-              <a:defRPr sz="2400"/>
+              <a:defRPr sz="1800"/>
             </a:lvl9pPr>
           </a:lstStyle>
           <a:p>
@@ -2438,8 +2429,8 @@
         </p:nvSpPr>
         <p:spPr>
           <a:xfrm>
-            <a:off x="311700" y="1852800"/>
-            <a:ext cx="2808000" cy="4239300"/>
+            <a:off x="311700" y="1389600"/>
+            <a:ext cx="2808000" cy="3179475"/>
           </a:xfrm>
           <a:prstGeom prst="rect">
             <a:avLst/>
@@ -2454,7 +2445,7 @@
             <a:noAutofit/>
           </a:bodyPr>
           <a:lstStyle>
-            <a:lvl1pPr marL="457200" lvl="0" indent="-304800" algn="l">
+            <a:lvl1pPr marL="342900" lvl="0" indent="-228600" algn="l">
               <a:lnSpc>
                 <a:spcPct val="115000"/>
               </a:lnSpc>
@@ -2466,119 +2457,119 @@
               </a:spcAft>
               <a:buSzPts val="1200"/>
               <a:buChar char="●"/>
-              <a:defRPr sz="1200"/>
+              <a:defRPr sz="900"/>
             </a:lvl1pPr>
-            <a:lvl2pPr marL="914400" lvl="1" indent="-304800" algn="l">
+            <a:lvl2pPr marL="685800" lvl="1" indent="-228600" algn="l">
               <a:lnSpc>
                 <a:spcPct val="115000"/>
               </a:lnSpc>
               <a:spcBef>
-                <a:spcPts val="1600"/>
+                <a:spcPts val="1200"/>
               </a:spcBef>
               <a:spcAft>
                 <a:spcPts val="0"/>
               </a:spcAft>
               <a:buSzPts val="1200"/>
               <a:buChar char="○"/>
-              <a:defRPr sz="1200"/>
+              <a:defRPr sz="900"/>
             </a:lvl2pPr>
-            <a:lvl3pPr marL="1371600" lvl="2" indent="-304800" algn="l">
+            <a:lvl3pPr marL="1028700" lvl="2" indent="-228600" algn="l">
               <a:lnSpc>
                 <a:spcPct val="115000"/>
               </a:lnSpc>
               <a:spcBef>
-                <a:spcPts val="1600"/>
+                <a:spcPts val="1200"/>
               </a:spcBef>
               <a:spcAft>
                 <a:spcPts val="0"/>
               </a:spcAft>
               <a:buSzPts val="1200"/>
               <a:buChar char="■"/>
-              <a:defRPr sz="1200"/>
+              <a:defRPr sz="900"/>
             </a:lvl3pPr>
-            <a:lvl4pPr marL="1828800" lvl="3" indent="-304800" algn="l">
+            <a:lvl4pPr marL="1371600" lvl="3" indent="-228600" algn="l">
               <a:lnSpc>
                 <a:spcPct val="115000"/>
               </a:lnSpc>
               <a:spcBef>
-                <a:spcPts val="1600"/>
+                <a:spcPts val="1200"/>
               </a:spcBef>
               <a:spcAft>
                 <a:spcPts val="0"/>
               </a:spcAft>
               <a:buSzPts val="1200"/>
               <a:buChar char="●"/>
-              <a:defRPr sz="1200"/>
+              <a:defRPr sz="900"/>
             </a:lvl4pPr>
-            <a:lvl5pPr marL="2286000" lvl="4" indent="-304800" algn="l">
+            <a:lvl5pPr marL="1714500" lvl="4" indent="-228600" algn="l">
               <a:lnSpc>
                 <a:spcPct val="115000"/>
               </a:lnSpc>
               <a:spcBef>
-                <a:spcPts val="1600"/>
+                <a:spcPts val="1200"/>
               </a:spcBef>
               <a:spcAft>
                 <a:spcPts val="0"/>
               </a:spcAft>
               <a:buSzPts val="1200"/>
               <a:buChar char="○"/>
-              <a:defRPr sz="1200"/>
+              <a:defRPr sz="900"/>
             </a:lvl5pPr>
-            <a:lvl6pPr marL="2743200" lvl="5" indent="-304800" algn="l">
+            <a:lvl6pPr marL="2057400" lvl="5" indent="-228600" algn="l">
               <a:lnSpc>
                 <a:spcPct val="115000"/>
               </a:lnSpc>
               <a:spcBef>
-                <a:spcPts val="1600"/>
+                <a:spcPts val="1200"/>
               </a:spcBef>
               <a:spcAft>
                 <a:spcPts val="0"/>
               </a:spcAft>
               <a:buSzPts val="1200"/>
               <a:buChar char="■"/>
-              <a:defRPr sz="1200"/>
+              <a:defRPr sz="900"/>
             </a:lvl6pPr>
-            <a:lvl7pPr marL="3200400" lvl="6" indent="-304800" algn="l">
+            <a:lvl7pPr marL="2400300" lvl="6" indent="-228600" algn="l">
               <a:lnSpc>
                 <a:spcPct val="115000"/>
               </a:lnSpc>
               <a:spcBef>
-                <a:spcPts val="1600"/>
+                <a:spcPts val="1200"/>
               </a:spcBef>
               <a:spcAft>
                 <a:spcPts val="0"/>
               </a:spcAft>
               <a:buSzPts val="1200"/>
               <a:buChar char="●"/>
-              <a:defRPr sz="1200"/>
+              <a:defRPr sz="900"/>
             </a:lvl7pPr>
-            <a:lvl8pPr marL="3657600" lvl="7" indent="-304800" algn="l">
+            <a:lvl8pPr marL="2743200" lvl="7" indent="-228600" algn="l">
               <a:lnSpc>
                 <a:spcPct val="115000"/>
               </a:lnSpc>
               <a:spcBef>
-                <a:spcPts val="1600"/>
+                <a:spcPts val="1200"/>
               </a:spcBef>
               <a:spcAft>
                 <a:spcPts val="0"/>
               </a:spcAft>
               <a:buSzPts val="1200"/>
               <a:buChar char="○"/>
-              <a:defRPr sz="1200"/>
+              <a:defRPr sz="900"/>
             </a:lvl8pPr>
-            <a:lvl9pPr marL="4114800" lvl="8" indent="-304800" algn="l">
+            <a:lvl9pPr marL="3086100" lvl="8" indent="-228600" algn="l">
               <a:lnSpc>
                 <a:spcPct val="115000"/>
               </a:lnSpc>
               <a:spcBef>
-                <a:spcPts val="1600"/>
-              </a:spcBef>
-              <a:spcAft>
-                <a:spcPts val="1600"/>
+                <a:spcPts val="1200"/>
+              </a:spcBef>
+              <a:spcAft>
+                <a:spcPts val="1200"/>
               </a:spcAft>
               <a:buSzPts val="1200"/>
               <a:buChar char="■"/>
-              <a:defRPr sz="1200"/>
+              <a:defRPr sz="900"/>
             </a:lvl9pPr>
           </a:lstStyle>
           <a:p>
@@ -2598,8 +2589,8 @@
         </p:nvSpPr>
         <p:spPr>
           <a:xfrm>
-            <a:off x="8472458" y="6217622"/>
-            <a:ext cx="548700" cy="524700"/>
+            <a:off x="8472458" y="4663217"/>
+            <a:ext cx="548700" cy="393525"/>
           </a:xfrm>
           <a:prstGeom prst="rect">
             <a:avLst/>
@@ -2630,7 +2621,7 @@
               <a:buSzPts val="1000"/>
               <a:buFont typeface="Arial"/>
               <a:buNone/>
-              <a:defRPr sz="1000" b="0" i="0" u="none" strike="noStrike" cap="none">
+              <a:defRPr sz="750" b="0" i="0" u="none" strike="noStrike" cap="none">
                 <a:solidFill>
                   <a:schemeClr val="dk2"/>
                 </a:solidFill>
@@ -2656,7 +2647,7 @@
               <a:buSzPts val="1000"/>
               <a:buFont typeface="Arial"/>
               <a:buNone/>
-              <a:defRPr sz="1000" b="0" i="0" u="none" strike="noStrike" cap="none">
+              <a:defRPr sz="750" b="0" i="0" u="none" strike="noStrike" cap="none">
                 <a:solidFill>
                   <a:schemeClr val="dk2"/>
                 </a:solidFill>
@@ -2682,7 +2673,7 @@
               <a:buSzPts val="1000"/>
               <a:buFont typeface="Arial"/>
               <a:buNone/>
-              <a:defRPr sz="1000" b="0" i="0" u="none" strike="noStrike" cap="none">
+              <a:defRPr sz="750" b="0" i="0" u="none" strike="noStrike" cap="none">
                 <a:solidFill>
                   <a:schemeClr val="dk2"/>
                 </a:solidFill>
@@ -2708,7 +2699,7 @@
               <a:buSzPts val="1000"/>
               <a:buFont typeface="Arial"/>
               <a:buNone/>
-              <a:defRPr sz="1000" b="0" i="0" u="none" strike="noStrike" cap="none">
+              <a:defRPr sz="750" b="0" i="0" u="none" strike="noStrike" cap="none">
                 <a:solidFill>
                   <a:schemeClr val="dk2"/>
                 </a:solidFill>
@@ -2734,7 +2725,7 @@
               <a:buSzPts val="1000"/>
               <a:buFont typeface="Arial"/>
               <a:buNone/>
-              <a:defRPr sz="1000" b="0" i="0" u="none" strike="noStrike" cap="none">
+              <a:defRPr sz="750" b="0" i="0" u="none" strike="noStrike" cap="none">
                 <a:solidFill>
                   <a:schemeClr val="dk2"/>
                 </a:solidFill>
@@ -2760,7 +2751,7 @@
               <a:buSzPts val="1000"/>
               <a:buFont typeface="Arial"/>
               <a:buNone/>
-              <a:defRPr sz="1000" b="0" i="0" u="none" strike="noStrike" cap="none">
+              <a:defRPr sz="750" b="0" i="0" u="none" strike="noStrike" cap="none">
                 <a:solidFill>
                   <a:schemeClr val="dk2"/>
                 </a:solidFill>
@@ -2786,7 +2777,7 @@
               <a:buSzPts val="1000"/>
               <a:buFont typeface="Arial"/>
               <a:buNone/>
-              <a:defRPr sz="1000" b="0" i="0" u="none" strike="noStrike" cap="none">
+              <a:defRPr sz="750" b="0" i="0" u="none" strike="noStrike" cap="none">
                 <a:solidFill>
                   <a:schemeClr val="dk2"/>
                 </a:solidFill>
@@ -2812,7 +2803,7 @@
               <a:buSzPts val="1000"/>
               <a:buFont typeface="Arial"/>
               <a:buNone/>
-              <a:defRPr sz="1000" b="0" i="0" u="none" strike="noStrike" cap="none">
+              <a:defRPr sz="750" b="0" i="0" u="none" strike="noStrike" cap="none">
                 <a:solidFill>
                   <a:schemeClr val="dk2"/>
                 </a:solidFill>
@@ -2838,7 +2829,7 @@
               <a:buSzPts val="1000"/>
               <a:buFont typeface="Arial"/>
               <a:buNone/>
-              <a:defRPr sz="1000" b="0" i="0" u="none" strike="noStrike" cap="none">
+              <a:defRPr sz="750" b="0" i="0" u="none" strike="noStrike" cap="none">
                 <a:solidFill>
                   <a:schemeClr val="dk2"/>
                 </a:solidFill>
@@ -2850,20 +2841,12 @@
             </a:lvl9pPr>
           </a:lstStyle>
           <a:p>
-            <a:pPr marL="0" lvl="0" indent="0" algn="r" rtl="0">
-              <a:spcBef>
-                <a:spcPts val="0"/>
-              </a:spcBef>
-              <a:spcAft>
-                <a:spcPts val="0"/>
-              </a:spcAft>
-              <a:buNone/>
-            </a:pPr>
             <a:fld id="{00000000-1234-1234-1234-123412341234}" type="slidenum">
-              <a:rPr lang="en"/>
+              <a:rPr lang="en" smtClean="0"/>
+              <a:pPr/>
               <a:t>‹#›</a:t>
             </a:fld>
-            <a:endParaRPr/>
+            <a:endParaRPr lang="en"/>
           </a:p>
         </p:txBody>
       </p:sp>
@@ -2912,8 +2895,8 @@
         </p:nvSpPr>
         <p:spPr>
           <a:xfrm>
-            <a:off x="311700" y="593367"/>
-            <a:ext cx="8520600" cy="763500"/>
+            <a:off x="311700" y="445025"/>
+            <a:ext cx="8520600" cy="572625"/>
           </a:xfrm>
           <a:prstGeom prst="rect">
             <a:avLst/>
@@ -3072,8 +3055,8 @@
         </p:nvSpPr>
         <p:spPr>
           <a:xfrm>
-            <a:off x="8472458" y="6217622"/>
-            <a:ext cx="548700" cy="524700"/>
+            <a:off x="8472458" y="4663217"/>
+            <a:ext cx="548700" cy="393525"/>
           </a:xfrm>
           <a:prstGeom prst="rect">
             <a:avLst/>
@@ -3104,7 +3087,7 @@
               <a:buSzPts val="1000"/>
               <a:buFont typeface="Arial"/>
               <a:buNone/>
-              <a:defRPr sz="1000" b="0" i="0" u="none" strike="noStrike" cap="none">
+              <a:defRPr sz="750" b="0" i="0" u="none" strike="noStrike" cap="none">
                 <a:solidFill>
                   <a:schemeClr val="dk2"/>
                 </a:solidFill>
@@ -3130,7 +3113,7 @@
               <a:buSzPts val="1000"/>
               <a:buFont typeface="Arial"/>
               <a:buNone/>
-              <a:defRPr sz="1000" b="0" i="0" u="none" strike="noStrike" cap="none">
+              <a:defRPr sz="750" b="0" i="0" u="none" strike="noStrike" cap="none">
                 <a:solidFill>
                   <a:schemeClr val="dk2"/>
                 </a:solidFill>
@@ -3156,7 +3139,7 @@
               <a:buSzPts val="1000"/>
               <a:buFont typeface="Arial"/>
               <a:buNone/>
-              <a:defRPr sz="1000" b="0" i="0" u="none" strike="noStrike" cap="none">
+              <a:defRPr sz="750" b="0" i="0" u="none" strike="noStrike" cap="none">
                 <a:solidFill>
                   <a:schemeClr val="dk2"/>
                 </a:solidFill>
@@ -3182,7 +3165,7 @@
               <a:buSzPts val="1000"/>
               <a:buFont typeface="Arial"/>
               <a:buNone/>
-              <a:defRPr sz="1000" b="0" i="0" u="none" strike="noStrike" cap="none">
+              <a:defRPr sz="750" b="0" i="0" u="none" strike="noStrike" cap="none">
                 <a:solidFill>
                   <a:schemeClr val="dk2"/>
                 </a:solidFill>
@@ -3208,7 +3191,7 @@
               <a:buSzPts val="1000"/>
               <a:buFont typeface="Arial"/>
               <a:buNone/>
-              <a:defRPr sz="1000" b="0" i="0" u="none" strike="noStrike" cap="none">
+              <a:defRPr sz="750" b="0" i="0" u="none" strike="noStrike" cap="none">
                 <a:solidFill>
                   <a:schemeClr val="dk2"/>
                 </a:solidFill>
@@ -3234,7 +3217,7 @@
               <a:buSzPts val="1000"/>
               <a:buFont typeface="Arial"/>
               <a:buNone/>
-              <a:defRPr sz="1000" b="0" i="0" u="none" strike="noStrike" cap="none">
+              <a:defRPr sz="750" b="0" i="0" u="none" strike="noStrike" cap="none">
                 <a:solidFill>
                   <a:schemeClr val="dk2"/>
                 </a:solidFill>
@@ -3260,7 +3243,7 @@
               <a:buSzPts val="1000"/>
               <a:buFont typeface="Arial"/>
               <a:buNone/>
-              <a:defRPr sz="1000" b="0" i="0" u="none" strike="noStrike" cap="none">
+              <a:defRPr sz="750" b="0" i="0" u="none" strike="noStrike" cap="none">
                 <a:solidFill>
                   <a:schemeClr val="dk2"/>
                 </a:solidFill>
@@ -3286,7 +3269,7 @@
               <a:buSzPts val="1000"/>
               <a:buFont typeface="Arial"/>
               <a:buNone/>
-              <a:defRPr sz="1000" b="0" i="0" u="none" strike="noStrike" cap="none">
+              <a:defRPr sz="750" b="0" i="0" u="none" strike="noStrike" cap="none">
                 <a:solidFill>
                   <a:schemeClr val="dk2"/>
                 </a:solidFill>
@@ -3312,7 +3295,7 @@
               <a:buSzPts val="1000"/>
               <a:buFont typeface="Arial"/>
               <a:buNone/>
-              <a:defRPr sz="1000" b="0" i="0" u="none" strike="noStrike" cap="none">
+              <a:defRPr sz="750" b="0" i="0" u="none" strike="noStrike" cap="none">
                 <a:solidFill>
                   <a:schemeClr val="dk2"/>
                 </a:solidFill>
@@ -3324,20 +3307,12 @@
             </a:lvl9pPr>
           </a:lstStyle>
           <a:p>
-            <a:pPr marL="0" lvl="0" indent="0" algn="r" rtl="0">
-              <a:spcBef>
-                <a:spcPts val="0"/>
-              </a:spcBef>
-              <a:spcAft>
-                <a:spcPts val="0"/>
-              </a:spcAft>
-              <a:buNone/>
-            </a:pPr>
             <a:fld id="{00000000-1234-1234-1234-123412341234}" type="slidenum">
-              <a:rPr lang="en"/>
+              <a:rPr lang="en" smtClean="0"/>
+              <a:pPr/>
               <a:t>‹#›</a:t>
             </a:fld>
-            <a:endParaRPr/>
+            <a:endParaRPr lang="en"/>
           </a:p>
         </p:txBody>
       </p:sp>
@@ -3386,8 +3361,8 @@
         </p:nvSpPr>
         <p:spPr>
           <a:xfrm>
-            <a:off x="490250" y="600200"/>
-            <a:ext cx="6367800" cy="5454300"/>
+            <a:off x="490250" y="450150"/>
+            <a:ext cx="6367800" cy="4090725"/>
           </a:xfrm>
           <a:prstGeom prst="rect">
             <a:avLst/>
@@ -3414,7 +3389,7 @@
               </a:spcAft>
               <a:buSzPts val="4800"/>
               <a:buNone/>
-              <a:defRPr sz="4800"/>
+              <a:defRPr sz="3600"/>
             </a:lvl1pPr>
             <a:lvl2pPr lvl="1" algn="l">
               <a:lnSpc>
@@ -3428,7 +3403,7 @@
               </a:spcAft>
               <a:buSzPts val="4800"/>
               <a:buNone/>
-              <a:defRPr sz="4800"/>
+              <a:defRPr sz="3600"/>
             </a:lvl2pPr>
             <a:lvl3pPr lvl="2" algn="l">
               <a:lnSpc>
@@ -3442,7 +3417,7 @@
               </a:spcAft>
               <a:buSzPts val="4800"/>
               <a:buNone/>
-              <a:defRPr sz="4800"/>
+              <a:defRPr sz="3600"/>
             </a:lvl3pPr>
             <a:lvl4pPr lvl="3" algn="l">
               <a:lnSpc>
@@ -3456,7 +3431,7 @@
               </a:spcAft>
               <a:buSzPts val="4800"/>
               <a:buNone/>
-              <a:defRPr sz="4800"/>
+              <a:defRPr sz="3600"/>
             </a:lvl4pPr>
             <a:lvl5pPr lvl="4" algn="l">
               <a:lnSpc>
@@ -3470,7 +3445,7 @@
               </a:spcAft>
               <a:buSzPts val="4800"/>
               <a:buNone/>
-              <a:defRPr sz="4800"/>
+              <a:defRPr sz="3600"/>
             </a:lvl5pPr>
             <a:lvl6pPr lvl="5" algn="l">
               <a:lnSpc>
@@ -3484,7 +3459,7 @@
               </a:spcAft>
               <a:buSzPts val="4800"/>
               <a:buNone/>
-              <a:defRPr sz="4800"/>
+              <a:defRPr sz="3600"/>
             </a:lvl6pPr>
             <a:lvl7pPr lvl="6" algn="l">
               <a:lnSpc>
@@ -3498,7 +3473,7 @@
               </a:spcAft>
               <a:buSzPts val="4800"/>
               <a:buNone/>
-              <a:defRPr sz="4800"/>
+              <a:defRPr sz="3600"/>
             </a:lvl7pPr>
             <a:lvl8pPr lvl="7" algn="l">
               <a:lnSpc>
@@ -3512,7 +3487,7 @@
               </a:spcAft>
               <a:buSzPts val="4800"/>
               <a:buNone/>
-              <a:defRPr sz="4800"/>
+              <a:defRPr sz="3600"/>
             </a:lvl8pPr>
             <a:lvl9pPr lvl="8" algn="l">
               <a:lnSpc>
@@ -3526,7 +3501,7 @@
               </a:spcAft>
               <a:buSzPts val="4800"/>
               <a:buNone/>
-              <a:defRPr sz="4800"/>
+              <a:defRPr sz="3600"/>
             </a:lvl9pPr>
           </a:lstStyle>
           <a:p>
@@ -3546,8 +3521,8 @@
         </p:nvSpPr>
         <p:spPr>
           <a:xfrm>
-            <a:off x="8472458" y="6217622"/>
-            <a:ext cx="548700" cy="524700"/>
+            <a:off x="8472458" y="4663217"/>
+            <a:ext cx="548700" cy="393525"/>
           </a:xfrm>
           <a:prstGeom prst="rect">
             <a:avLst/>
@@ -3578,7 +3553,7 @@
               <a:buSzPts val="1000"/>
               <a:buFont typeface="Arial"/>
               <a:buNone/>
-              <a:defRPr sz="1000" b="0" i="0" u="none" strike="noStrike" cap="none">
+              <a:defRPr sz="750" b="0" i="0" u="none" strike="noStrike" cap="none">
                 <a:solidFill>
                   <a:schemeClr val="dk2"/>
                 </a:solidFill>
@@ -3604,7 +3579,7 @@
               <a:buSzPts val="1000"/>
               <a:buFont typeface="Arial"/>
               <a:buNone/>
-              <a:defRPr sz="1000" b="0" i="0" u="none" strike="noStrike" cap="none">
+              <a:defRPr sz="750" b="0" i="0" u="none" strike="noStrike" cap="none">
                 <a:solidFill>
                   <a:schemeClr val="dk2"/>
                 </a:solidFill>
@@ -3630,7 +3605,7 @@
               <a:buSzPts val="1000"/>
               <a:buFont typeface="Arial"/>
               <a:buNone/>
-              <a:defRPr sz="1000" b="0" i="0" u="none" strike="noStrike" cap="none">
+              <a:defRPr sz="750" b="0" i="0" u="none" strike="noStrike" cap="none">
                 <a:solidFill>
                   <a:schemeClr val="dk2"/>
                 </a:solidFill>
@@ -3656,7 +3631,7 @@
               <a:buSzPts val="1000"/>
               <a:buFont typeface="Arial"/>
               <a:buNone/>
-              <a:defRPr sz="1000" b="0" i="0" u="none" strike="noStrike" cap="none">
+              <a:defRPr sz="750" b="0" i="0" u="none" strike="noStrike" cap="none">
                 <a:solidFill>
                   <a:schemeClr val="dk2"/>
                 </a:solidFill>
@@ -3682,7 +3657,7 @@
               <a:buSzPts val="1000"/>
               <a:buFont typeface="Arial"/>
               <a:buNone/>
-              <a:defRPr sz="1000" b="0" i="0" u="none" strike="noStrike" cap="none">
+              <a:defRPr sz="750" b="0" i="0" u="none" strike="noStrike" cap="none">
                 <a:solidFill>
                   <a:schemeClr val="dk2"/>
                 </a:solidFill>
@@ -3708,7 +3683,7 @@
               <a:buSzPts val="1000"/>
               <a:buFont typeface="Arial"/>
               <a:buNone/>
-              <a:defRPr sz="1000" b="0" i="0" u="none" strike="noStrike" cap="none">
+              <a:defRPr sz="750" b="0" i="0" u="none" strike="noStrike" cap="none">
                 <a:solidFill>
                   <a:schemeClr val="dk2"/>
                 </a:solidFill>
@@ -3734,7 +3709,7 @@
               <a:buSzPts val="1000"/>
               <a:buFont typeface="Arial"/>
               <a:buNone/>
-              <a:defRPr sz="1000" b="0" i="0" u="none" strike="noStrike" cap="none">
+              <a:defRPr sz="750" b="0" i="0" u="none" strike="noStrike" cap="none">
                 <a:solidFill>
                   <a:schemeClr val="dk2"/>
                 </a:solidFill>
@@ -3760,7 +3735,7 @@
               <a:buSzPts val="1000"/>
               <a:buFont typeface="Arial"/>
               <a:buNone/>
-              <a:defRPr sz="1000" b="0" i="0" u="none" strike="noStrike" cap="none">
+              <a:defRPr sz="750" b="0" i="0" u="none" strike="noStrike" cap="none">
                 <a:solidFill>
                   <a:schemeClr val="dk2"/>
                 </a:solidFill>
@@ -3786,7 +3761,7 @@
               <a:buSzPts val="1000"/>
               <a:buFont typeface="Arial"/>
               <a:buNone/>
-              <a:defRPr sz="1000" b="0" i="0" u="none" strike="noStrike" cap="none">
+              <a:defRPr sz="750" b="0" i="0" u="none" strike="noStrike" cap="none">
                 <a:solidFill>
                   <a:schemeClr val="dk2"/>
                 </a:solidFill>
@@ -3798,20 +3773,12 @@
             </a:lvl9pPr>
           </a:lstStyle>
           <a:p>
-            <a:pPr marL="0" lvl="0" indent="0" algn="r" rtl="0">
-              <a:spcBef>
-                <a:spcPts val="0"/>
-              </a:spcBef>
-              <a:spcAft>
-                <a:spcPts val="0"/>
-              </a:spcAft>
-              <a:buNone/>
-            </a:pPr>
             <a:fld id="{00000000-1234-1234-1234-123412341234}" type="slidenum">
-              <a:rPr lang="en"/>
+              <a:rPr lang="en" smtClean="0"/>
+              <a:pPr/>
               <a:t>‹#›</a:t>
             </a:fld>
-            <a:endParaRPr/>
+            <a:endParaRPr lang="en"/>
           </a:p>
         </p:txBody>
       </p:sp>
@@ -3856,8 +3823,8 @@
         </p:nvSpPr>
         <p:spPr>
           <a:xfrm>
-            <a:off x="4572000" y="-167"/>
-            <a:ext cx="4572000" cy="6858000"/>
+            <a:off x="4572000" y="-125"/>
+            <a:ext cx="4572000" cy="5143500"/>
           </a:xfrm>
           <a:prstGeom prst="rect">
             <a:avLst/>
@@ -3870,7 +3837,7 @@
           </a:ln>
         </p:spPr>
         <p:txBody>
-          <a:bodyPr spcFirstLastPara="1" wrap="square" lIns="91425" tIns="91425" rIns="91425" bIns="91425" anchor="ctr" anchorCtr="0">
+          <a:bodyPr spcFirstLastPara="1" wrap="square" lIns="68569" tIns="68569" rIns="68569" bIns="68569" anchor="ctr" anchorCtr="0">
             <a:noAutofit/>
           </a:bodyPr>
           <a:lstStyle/>
@@ -3892,7 +3859,7 @@
               <a:buFont typeface="Arial"/>
               <a:buNone/>
             </a:pPr>
-            <a:endParaRPr sz="1400" b="0" i="0" u="none" strike="noStrike" cap="none">
+            <a:endParaRPr sz="1050" b="0" i="0" u="none" strike="noStrike" cap="none">
               <a:solidFill>
                 <a:srgbClr val="000000"/>
               </a:solidFill>
@@ -3916,8 +3883,8 @@
         </p:nvSpPr>
         <p:spPr>
           <a:xfrm>
-            <a:off x="265500" y="1644233"/>
-            <a:ext cx="4045200" cy="1976400"/>
+            <a:off x="265500" y="1233175"/>
+            <a:ext cx="4045200" cy="1482300"/>
           </a:xfrm>
           <a:prstGeom prst="rect">
             <a:avLst/>
@@ -3944,7 +3911,7 @@
               </a:spcAft>
               <a:buSzPts val="4200"/>
               <a:buNone/>
-              <a:defRPr sz="4200"/>
+              <a:defRPr sz="3150"/>
             </a:lvl1pPr>
             <a:lvl2pPr lvl="1" algn="ctr">
               <a:lnSpc>
@@ -3958,7 +3925,7 @@
               </a:spcAft>
               <a:buSzPts val="4200"/>
               <a:buNone/>
-              <a:defRPr sz="4200"/>
+              <a:defRPr sz="3150"/>
             </a:lvl2pPr>
             <a:lvl3pPr lvl="2" algn="ctr">
               <a:lnSpc>
@@ -3972,7 +3939,7 @@
               </a:spcAft>
               <a:buSzPts val="4200"/>
               <a:buNone/>
-              <a:defRPr sz="4200"/>
+              <a:defRPr sz="3150"/>
             </a:lvl3pPr>
             <a:lvl4pPr lvl="3" algn="ctr">
               <a:lnSpc>
@@ -3986,7 +3953,7 @@
               </a:spcAft>
               <a:buSzPts val="4200"/>
               <a:buNone/>
-              <a:defRPr sz="4200"/>
+              <a:defRPr sz="3150"/>
             </a:lvl4pPr>
             <a:lvl5pPr lvl="4" algn="ctr">
               <a:lnSpc>
@@ -4000,7 +3967,7 @@
               </a:spcAft>
               <a:buSzPts val="4200"/>
               <a:buNone/>
-              <a:defRPr sz="4200"/>
+              <a:defRPr sz="3150"/>
             </a:lvl5pPr>
             <a:lvl6pPr lvl="5" algn="ctr">
               <a:lnSpc>
@@ -4014,7 +3981,7 @@
               </a:spcAft>
               <a:buSzPts val="4200"/>
               <a:buNone/>
-              <a:defRPr sz="4200"/>
+              <a:defRPr sz="3150"/>
             </a:lvl6pPr>
             <a:lvl7pPr lvl="6" algn="ctr">
               <a:lnSpc>
@@ -4028,7 +3995,7 @@
               </a:spcAft>
               <a:buSzPts val="4200"/>
               <a:buNone/>
-              <a:defRPr sz="4200"/>
+              <a:defRPr sz="3150"/>
             </a:lvl7pPr>
             <a:lvl8pPr lvl="7" algn="ctr">
               <a:lnSpc>
@@ -4042,7 +4009,7 @@
               </a:spcAft>
               <a:buSzPts val="4200"/>
               <a:buNone/>
-              <a:defRPr sz="4200"/>
+              <a:defRPr sz="3150"/>
             </a:lvl8pPr>
             <a:lvl9pPr lvl="8" algn="ctr">
               <a:lnSpc>
@@ -4056,7 +4023,7 @@
               </a:spcAft>
               <a:buSzPts val="4200"/>
               <a:buNone/>
-              <a:defRPr sz="4200"/>
+              <a:defRPr sz="3150"/>
             </a:lvl9pPr>
           </a:lstStyle>
           <a:p>
@@ -4076,8 +4043,8 @@
         </p:nvSpPr>
         <p:spPr>
           <a:xfrm>
-            <a:off x="265500" y="3737433"/>
-            <a:ext cx="4045200" cy="1646700"/>
+            <a:off x="265500" y="2803075"/>
+            <a:ext cx="4045200" cy="1235025"/>
           </a:xfrm>
           <a:prstGeom prst="rect">
             <a:avLst/>
@@ -4104,7 +4071,7 @@
               </a:spcAft>
               <a:buSzPts val="2100"/>
               <a:buNone/>
-              <a:defRPr sz="2100"/>
+              <a:defRPr sz="1575"/>
             </a:lvl1pPr>
             <a:lvl2pPr lvl="1" algn="ctr">
               <a:lnSpc>
@@ -4118,7 +4085,7 @@
               </a:spcAft>
               <a:buSzPts val="2100"/>
               <a:buNone/>
-              <a:defRPr sz="2100"/>
+              <a:defRPr sz="1575"/>
             </a:lvl2pPr>
             <a:lvl3pPr lvl="2" algn="ctr">
               <a:lnSpc>
@@ -4132,7 +4099,7 @@
               </a:spcAft>
               <a:buSzPts val="2100"/>
               <a:buNone/>
-              <a:defRPr sz="2100"/>
+              <a:defRPr sz="1575"/>
             </a:lvl3pPr>
             <a:lvl4pPr lvl="3" algn="ctr">
               <a:lnSpc>
@@ -4146,7 +4113,7 @@
               </a:spcAft>
               <a:buSzPts val="2100"/>
               <a:buNone/>
-              <a:defRPr sz="2100"/>
+              <a:defRPr sz="1575"/>
             </a:lvl4pPr>
             <a:lvl5pPr lvl="4" algn="ctr">
               <a:lnSpc>
@@ -4160,7 +4127,7 @@
               </a:spcAft>
               <a:buSzPts val="2100"/>
               <a:buNone/>
-              <a:defRPr sz="2100"/>
+              <a:defRPr sz="1575"/>
             </a:lvl5pPr>
             <a:lvl6pPr lvl="5" algn="ctr">
               <a:lnSpc>
@@ -4174,7 +4141,7 @@
               </a:spcAft>
               <a:buSzPts val="2100"/>
               <a:buNone/>
-              <a:defRPr sz="2100"/>
+              <a:defRPr sz="1575"/>
             </a:lvl6pPr>
             <a:lvl7pPr lvl="6" algn="ctr">
               <a:lnSpc>
@@ -4188,7 +4155,7 @@
               </a:spcAft>
               <a:buSzPts val="2100"/>
               <a:buNone/>
-              <a:defRPr sz="2100"/>
+              <a:defRPr sz="1575"/>
             </a:lvl7pPr>
             <a:lvl8pPr lvl="7" algn="ctr">
               <a:lnSpc>
@@ -4202,7 +4169,7 @@
               </a:spcAft>
               <a:buSzPts val="2100"/>
               <a:buNone/>
-              <a:defRPr sz="2100"/>
+              <a:defRPr sz="1575"/>
             </a:lvl8pPr>
             <a:lvl9pPr lvl="8" algn="ctr">
               <a:lnSpc>
@@ -4216,7 +4183,7 @@
               </a:spcAft>
               <a:buSzPts val="2100"/>
               <a:buNone/>
-              <a:defRPr sz="2100"/>
+              <a:defRPr sz="1575"/>
             </a:lvl9pPr>
           </a:lstStyle>
           <a:p>
@@ -4236,8 +4203,8 @@
         </p:nvSpPr>
         <p:spPr>
           <a:xfrm>
-            <a:off x="4939500" y="965433"/>
-            <a:ext cx="3837000" cy="4926900"/>
+            <a:off x="4939500" y="724075"/>
+            <a:ext cx="3837000" cy="3695175"/>
           </a:xfrm>
           <a:prstGeom prst="rect">
             <a:avLst/>
@@ -4252,7 +4219,7 @@
             <a:noAutofit/>
           </a:bodyPr>
           <a:lstStyle>
-            <a:lvl1pPr marL="457200" lvl="0" indent="-342900" algn="l">
+            <a:lvl1pPr marL="342900" lvl="0" indent="-257175" algn="l">
               <a:lnSpc>
                 <a:spcPct val="115000"/>
               </a:lnSpc>
@@ -4266,12 +4233,12 @@
               <a:buChar char="●"/>
               <a:defRPr/>
             </a:lvl1pPr>
-            <a:lvl2pPr marL="914400" lvl="1" indent="-317500" algn="l">
+            <a:lvl2pPr marL="685800" lvl="1" indent="-238125" algn="l">
               <a:lnSpc>
                 <a:spcPct val="115000"/>
               </a:lnSpc>
               <a:spcBef>
-                <a:spcPts val="1600"/>
+                <a:spcPts val="1200"/>
               </a:spcBef>
               <a:spcAft>
                 <a:spcPts val="0"/>
@@ -4280,12 +4247,12 @@
               <a:buChar char="○"/>
               <a:defRPr/>
             </a:lvl2pPr>
-            <a:lvl3pPr marL="1371600" lvl="2" indent="-317500" algn="l">
+            <a:lvl3pPr marL="1028700" lvl="2" indent="-238125" algn="l">
               <a:lnSpc>
                 <a:spcPct val="115000"/>
               </a:lnSpc>
               <a:spcBef>
-                <a:spcPts val="1600"/>
+                <a:spcPts val="1200"/>
               </a:spcBef>
               <a:spcAft>
                 <a:spcPts val="0"/>
@@ -4294,12 +4261,12 @@
               <a:buChar char="■"/>
               <a:defRPr/>
             </a:lvl3pPr>
-            <a:lvl4pPr marL="1828800" lvl="3" indent="-317500" algn="l">
+            <a:lvl4pPr marL="1371600" lvl="3" indent="-238125" algn="l">
               <a:lnSpc>
                 <a:spcPct val="115000"/>
               </a:lnSpc>
               <a:spcBef>
-                <a:spcPts val="1600"/>
+                <a:spcPts val="1200"/>
               </a:spcBef>
               <a:spcAft>
                 <a:spcPts val="0"/>
@@ -4308,12 +4275,12 @@
               <a:buChar char="●"/>
               <a:defRPr/>
             </a:lvl4pPr>
-            <a:lvl5pPr marL="2286000" lvl="4" indent="-317500" algn="l">
+            <a:lvl5pPr marL="1714500" lvl="4" indent="-238125" algn="l">
               <a:lnSpc>
                 <a:spcPct val="115000"/>
               </a:lnSpc>
               <a:spcBef>
-                <a:spcPts val="1600"/>
+                <a:spcPts val="1200"/>
               </a:spcBef>
               <a:spcAft>
                 <a:spcPts val="0"/>
@@ -4322,12 +4289,12 @@
               <a:buChar char="○"/>
               <a:defRPr/>
             </a:lvl5pPr>
-            <a:lvl6pPr marL="2743200" lvl="5" indent="-317500" algn="l">
+            <a:lvl6pPr marL="2057400" lvl="5" indent="-238125" algn="l">
               <a:lnSpc>
                 <a:spcPct val="115000"/>
               </a:lnSpc>
               <a:spcBef>
-                <a:spcPts val="1600"/>
+                <a:spcPts val="1200"/>
               </a:spcBef>
               <a:spcAft>
                 <a:spcPts val="0"/>
@@ -4336,12 +4303,12 @@
               <a:buChar char="■"/>
               <a:defRPr/>
             </a:lvl6pPr>
-            <a:lvl7pPr marL="3200400" lvl="6" indent="-317500" algn="l">
+            <a:lvl7pPr marL="2400300" lvl="6" indent="-238125" algn="l">
               <a:lnSpc>
                 <a:spcPct val="115000"/>
               </a:lnSpc>
               <a:spcBef>
-                <a:spcPts val="1600"/>
+                <a:spcPts val="1200"/>
               </a:spcBef>
               <a:spcAft>
                 <a:spcPts val="0"/>
@@ -4350,12 +4317,12 @@
               <a:buChar char="●"/>
               <a:defRPr/>
             </a:lvl7pPr>
-            <a:lvl8pPr marL="3657600" lvl="7" indent="-317500" algn="l">
+            <a:lvl8pPr marL="2743200" lvl="7" indent="-238125" algn="l">
               <a:lnSpc>
                 <a:spcPct val="115000"/>
               </a:lnSpc>
               <a:spcBef>
-                <a:spcPts val="1600"/>
+                <a:spcPts val="1200"/>
               </a:spcBef>
               <a:spcAft>
                 <a:spcPts val="0"/>
@@ -4364,15 +4331,15 @@
               <a:buChar char="○"/>
               <a:defRPr/>
             </a:lvl8pPr>
-            <a:lvl9pPr marL="4114800" lvl="8" indent="-317500" algn="l">
+            <a:lvl9pPr marL="3086100" lvl="8" indent="-238125" algn="l">
               <a:lnSpc>
                 <a:spcPct val="115000"/>
               </a:lnSpc>
               <a:spcBef>
-                <a:spcPts val="1600"/>
-              </a:spcBef>
-              <a:spcAft>
-                <a:spcPts val="1600"/>
+                <a:spcPts val="1200"/>
+              </a:spcBef>
+              <a:spcAft>
+                <a:spcPts val="1200"/>
               </a:spcAft>
               <a:buSzPts val="1400"/>
               <a:buChar char="■"/>
@@ -4396,8 +4363,8 @@
         </p:nvSpPr>
         <p:spPr>
           <a:xfrm>
-            <a:off x="8472458" y="6217622"/>
-            <a:ext cx="548700" cy="524700"/>
+            <a:off x="8472458" y="4663217"/>
+            <a:ext cx="548700" cy="393525"/>
           </a:xfrm>
           <a:prstGeom prst="rect">
             <a:avLst/>
@@ -4428,7 +4395,7 @@
               <a:buSzPts val="1000"/>
               <a:buFont typeface="Arial"/>
               <a:buNone/>
-              <a:defRPr sz="1000" b="0" i="0" u="none" strike="noStrike" cap="none">
+              <a:defRPr sz="750" b="0" i="0" u="none" strike="noStrike" cap="none">
                 <a:solidFill>
                   <a:schemeClr val="dk2"/>
                 </a:solidFill>
@@ -4454,7 +4421,7 @@
               <a:buSzPts val="1000"/>
               <a:buFont typeface="Arial"/>
               <a:buNone/>
-              <a:defRPr sz="1000" b="0" i="0" u="none" strike="noStrike" cap="none">
+              <a:defRPr sz="750" b="0" i="0" u="none" strike="noStrike" cap="none">
                 <a:solidFill>
                   <a:schemeClr val="dk2"/>
                 </a:solidFill>
@@ -4480,7 +4447,7 @@
               <a:buSzPts val="1000"/>
               <a:buFont typeface="Arial"/>
               <a:buNone/>
-              <a:defRPr sz="1000" b="0" i="0" u="none" strike="noStrike" cap="none">
+              <a:defRPr sz="750" b="0" i="0" u="none" strike="noStrike" cap="none">
                 <a:solidFill>
                   <a:schemeClr val="dk2"/>
                 </a:solidFill>
@@ -4506,7 +4473,7 @@
               <a:buSzPts val="1000"/>
               <a:buFont typeface="Arial"/>
               <a:buNone/>
-              <a:defRPr sz="1000" b="0" i="0" u="none" strike="noStrike" cap="none">
+              <a:defRPr sz="750" b="0" i="0" u="none" strike="noStrike" cap="none">
                 <a:solidFill>
                   <a:schemeClr val="dk2"/>
                 </a:solidFill>
@@ -4532,7 +4499,7 @@
               <a:buSzPts val="1000"/>
               <a:buFont typeface="Arial"/>
               <a:buNone/>
-              <a:defRPr sz="1000" b="0" i="0" u="none" strike="noStrike" cap="none">
+              <a:defRPr sz="750" b="0" i="0" u="none" strike="noStrike" cap="none">
                 <a:solidFill>
                   <a:schemeClr val="dk2"/>
                 </a:solidFill>
@@ -4558,7 +4525,7 @@
               <a:buSzPts val="1000"/>
               <a:buFont typeface="Arial"/>
               <a:buNone/>
-              <a:defRPr sz="1000" b="0" i="0" u="none" strike="noStrike" cap="none">
+              <a:defRPr sz="750" b="0" i="0" u="none" strike="noStrike" cap="none">
                 <a:solidFill>
                   <a:schemeClr val="dk2"/>
                 </a:solidFill>
@@ -4584,7 +4551,7 @@
               <a:buSzPts val="1000"/>
               <a:buFont typeface="Arial"/>
               <a:buNone/>
-              <a:defRPr sz="1000" b="0" i="0" u="none" strike="noStrike" cap="none">
+              <a:defRPr sz="750" b="0" i="0" u="none" strike="noStrike" cap="none">
                 <a:solidFill>
                   <a:schemeClr val="dk2"/>
                 </a:solidFill>
@@ -4610,7 +4577,7 @@
               <a:buSzPts val="1000"/>
               <a:buFont typeface="Arial"/>
               <a:buNone/>
-              <a:defRPr sz="1000" b="0" i="0" u="none" strike="noStrike" cap="none">
+              <a:defRPr sz="750" b="0" i="0" u="none" strike="noStrike" cap="none">
                 <a:solidFill>
                   <a:schemeClr val="dk2"/>
                 </a:solidFill>
@@ -4636,7 +4603,7 @@
               <a:buSzPts val="1000"/>
               <a:buFont typeface="Arial"/>
               <a:buNone/>
-              <a:defRPr sz="1000" b="0" i="0" u="none" strike="noStrike" cap="none">
+              <a:defRPr sz="750" b="0" i="0" u="none" strike="noStrike" cap="none">
                 <a:solidFill>
                   <a:schemeClr val="dk2"/>
                 </a:solidFill>
@@ -4648,20 +4615,12 @@
             </a:lvl9pPr>
           </a:lstStyle>
           <a:p>
-            <a:pPr marL="0" lvl="0" indent="0" algn="r" rtl="0">
-              <a:spcBef>
-                <a:spcPts val="0"/>
-              </a:spcBef>
-              <a:spcAft>
-                <a:spcPts val="0"/>
-              </a:spcAft>
-              <a:buNone/>
-            </a:pPr>
             <a:fld id="{00000000-1234-1234-1234-123412341234}" type="slidenum">
-              <a:rPr lang="en"/>
+              <a:rPr lang="en" smtClean="0"/>
+              <a:pPr/>
               <a:t>‹#›</a:t>
             </a:fld>
-            <a:endParaRPr/>
+            <a:endParaRPr lang="en"/>
           </a:p>
         </p:txBody>
       </p:sp>
@@ -4710,8 +4669,8 @@
         </p:nvSpPr>
         <p:spPr>
           <a:xfrm>
-            <a:off x="311700" y="5640767"/>
-            <a:ext cx="5998800" cy="806700"/>
+            <a:off x="311700" y="4230575"/>
+            <a:ext cx="5998800" cy="605025"/>
           </a:xfrm>
           <a:prstGeom prst="rect">
             <a:avLst/>
@@ -4726,7 +4685,7 @@
             <a:noAutofit/>
           </a:bodyPr>
           <a:lstStyle>
-            <a:lvl1pPr marL="457200" lvl="0" indent="-228600" algn="l">
+            <a:lvl1pPr marL="342900" lvl="0" indent="-171450" algn="l">
               <a:lnSpc>
                 <a:spcPct val="100000"/>
               </a:lnSpc>
@@ -4758,8 +4717,8 @@
         </p:nvSpPr>
         <p:spPr>
           <a:xfrm>
-            <a:off x="8472458" y="6217622"/>
-            <a:ext cx="548700" cy="524700"/>
+            <a:off x="8472458" y="4663217"/>
+            <a:ext cx="548700" cy="393525"/>
           </a:xfrm>
           <a:prstGeom prst="rect">
             <a:avLst/>
@@ -4790,7 +4749,7 @@
               <a:buSzPts val="1000"/>
               <a:buFont typeface="Arial"/>
               <a:buNone/>
-              <a:defRPr sz="1000" b="0" i="0" u="none" strike="noStrike" cap="none">
+              <a:defRPr sz="750" b="0" i="0" u="none" strike="noStrike" cap="none">
                 <a:solidFill>
                   <a:schemeClr val="dk2"/>
                 </a:solidFill>
@@ -4816,7 +4775,7 @@
               <a:buSzPts val="1000"/>
               <a:buFont typeface="Arial"/>
               <a:buNone/>
-              <a:defRPr sz="1000" b="0" i="0" u="none" strike="noStrike" cap="none">
+              <a:defRPr sz="750" b="0" i="0" u="none" strike="noStrike" cap="none">
                 <a:solidFill>
                   <a:schemeClr val="dk2"/>
                 </a:solidFill>
@@ -4842,7 +4801,7 @@
               <a:buSzPts val="1000"/>
               <a:buFont typeface="Arial"/>
               <a:buNone/>
-              <a:defRPr sz="1000" b="0" i="0" u="none" strike="noStrike" cap="none">
+              <a:defRPr sz="750" b="0" i="0" u="none" strike="noStrike" cap="none">
                 <a:solidFill>
                   <a:schemeClr val="dk2"/>
                 </a:solidFill>
@@ -4868,7 +4827,7 @@
               <a:buSzPts val="1000"/>
               <a:buFont typeface="Arial"/>
               <a:buNone/>
-              <a:defRPr sz="1000" b="0" i="0" u="none" strike="noStrike" cap="none">
+              <a:defRPr sz="750" b="0" i="0" u="none" strike="noStrike" cap="none">
                 <a:solidFill>
                   <a:schemeClr val="dk2"/>
                 </a:solidFill>
@@ -4894,7 +4853,7 @@
               <a:buSzPts val="1000"/>
               <a:buFont typeface="Arial"/>
               <a:buNone/>
-              <a:defRPr sz="1000" b="0" i="0" u="none" strike="noStrike" cap="none">
+              <a:defRPr sz="750" b="0" i="0" u="none" strike="noStrike" cap="none">
                 <a:solidFill>
                   <a:schemeClr val="dk2"/>
                 </a:solidFill>
@@ -4920,7 +4879,7 @@
               <a:buSzPts val="1000"/>
               <a:buFont typeface="Arial"/>
               <a:buNone/>
-              <a:defRPr sz="1000" b="0" i="0" u="none" strike="noStrike" cap="none">
+              <a:defRPr sz="750" b="0" i="0" u="none" strike="noStrike" cap="none">
                 <a:solidFill>
                   <a:schemeClr val="dk2"/>
                 </a:solidFill>
@@ -4946,7 +4905,7 @@
               <a:buSzPts val="1000"/>
               <a:buFont typeface="Arial"/>
               <a:buNone/>
-              <a:defRPr sz="1000" b="0" i="0" u="none" strike="noStrike" cap="none">
+              <a:defRPr sz="750" b="0" i="0" u="none" strike="noStrike" cap="none">
                 <a:solidFill>
                   <a:schemeClr val="dk2"/>
                 </a:solidFill>
@@ -4972,7 +4931,7 @@
               <a:buSzPts val="1000"/>
               <a:buFont typeface="Arial"/>
               <a:buNone/>
-              <a:defRPr sz="1000" b="0" i="0" u="none" strike="noStrike" cap="none">
+              <a:defRPr sz="750" b="0" i="0" u="none" strike="noStrike" cap="none">
                 <a:solidFill>
                   <a:schemeClr val="dk2"/>
                 </a:solidFill>
@@ -4998,7 +4957,7 @@
               <a:buSzPts val="1000"/>
               <a:buFont typeface="Arial"/>
               <a:buNone/>
-              <a:defRPr sz="1000" b="0" i="0" u="none" strike="noStrike" cap="none">
+              <a:defRPr sz="750" b="0" i="0" u="none" strike="noStrike" cap="none">
                 <a:solidFill>
                   <a:schemeClr val="dk2"/>
                 </a:solidFill>
@@ -5010,20 +4969,12 @@
             </a:lvl9pPr>
           </a:lstStyle>
           <a:p>
-            <a:pPr marL="0" lvl="0" indent="0" algn="r" rtl="0">
-              <a:spcBef>
-                <a:spcPts val="0"/>
-              </a:spcBef>
-              <a:spcAft>
-                <a:spcPts val="0"/>
-              </a:spcAft>
-              <a:buNone/>
-            </a:pPr>
             <a:fld id="{00000000-1234-1234-1234-123412341234}" type="slidenum">
-              <a:rPr lang="en"/>
+              <a:rPr lang="en" smtClean="0"/>
+              <a:pPr/>
               <a:t>‹#›</a:t>
             </a:fld>
-            <a:endParaRPr/>
+            <a:endParaRPr lang="en"/>
           </a:p>
         </p:txBody>
       </p:sp>
@@ -5072,8 +5023,8 @@
         </p:nvSpPr>
         <p:spPr>
           <a:xfrm>
-            <a:off x="311700" y="1474833"/>
-            <a:ext cx="8520600" cy="2618100"/>
+            <a:off x="311700" y="1106125"/>
+            <a:ext cx="8520600" cy="1963575"/>
           </a:xfrm>
           <a:prstGeom prst="rect">
             <a:avLst/>
@@ -5100,7 +5051,7 @@
               </a:spcAft>
               <a:buSzPts val="12000"/>
               <a:buNone/>
-              <a:defRPr sz="12000"/>
+              <a:defRPr sz="9000"/>
             </a:lvl1pPr>
             <a:lvl2pPr lvl="1" algn="ctr">
               <a:lnSpc>
@@ -5114,7 +5065,7 @@
               </a:spcAft>
               <a:buSzPts val="12000"/>
               <a:buNone/>
-              <a:defRPr sz="12000"/>
+              <a:defRPr sz="9000"/>
             </a:lvl2pPr>
             <a:lvl3pPr lvl="2" algn="ctr">
               <a:lnSpc>
@@ -5128,7 +5079,7 @@
               </a:spcAft>
               <a:buSzPts val="12000"/>
               <a:buNone/>
-              <a:defRPr sz="12000"/>
+              <a:defRPr sz="9000"/>
             </a:lvl3pPr>
             <a:lvl4pPr lvl="3" algn="ctr">
               <a:lnSpc>
@@ -5142,7 +5093,7 @@
               </a:spcAft>
               <a:buSzPts val="12000"/>
               <a:buNone/>
-              <a:defRPr sz="12000"/>
+              <a:defRPr sz="9000"/>
             </a:lvl4pPr>
             <a:lvl5pPr lvl="4" algn="ctr">
               <a:lnSpc>
@@ -5156,7 +5107,7 @@
               </a:spcAft>
               <a:buSzPts val="12000"/>
               <a:buNone/>
-              <a:defRPr sz="12000"/>
+              <a:defRPr sz="9000"/>
             </a:lvl5pPr>
             <a:lvl6pPr lvl="5" algn="ctr">
               <a:lnSpc>
@@ -5170,7 +5121,7 @@
               </a:spcAft>
               <a:buSzPts val="12000"/>
               <a:buNone/>
-              <a:defRPr sz="12000"/>
+              <a:defRPr sz="9000"/>
             </a:lvl6pPr>
             <a:lvl7pPr lvl="6" algn="ctr">
               <a:lnSpc>
@@ -5184,7 +5135,7 @@
               </a:spcAft>
               <a:buSzPts val="12000"/>
               <a:buNone/>
-              <a:defRPr sz="12000"/>
+              <a:defRPr sz="9000"/>
             </a:lvl7pPr>
             <a:lvl8pPr lvl="7" algn="ctr">
               <a:lnSpc>
@@ -5198,7 +5149,7 @@
               </a:spcAft>
               <a:buSzPts val="12000"/>
               <a:buNone/>
-              <a:defRPr sz="12000"/>
+              <a:defRPr sz="9000"/>
             </a:lvl8pPr>
             <a:lvl9pPr lvl="8" algn="ctr">
               <a:lnSpc>
@@ -5212,7 +5163,7 @@
               </a:spcAft>
               <a:buSzPts val="12000"/>
               <a:buNone/>
-              <a:defRPr sz="12000"/>
+              <a:defRPr sz="9000"/>
             </a:lvl9pPr>
           </a:lstStyle>
           <a:p>
@@ -5234,8 +5185,8 @@
         </p:nvSpPr>
         <p:spPr>
           <a:xfrm>
-            <a:off x="311700" y="4202967"/>
-            <a:ext cx="8520600" cy="1734300"/>
+            <a:off x="311700" y="3152225"/>
+            <a:ext cx="8520600" cy="1300725"/>
           </a:xfrm>
           <a:prstGeom prst="rect">
             <a:avLst/>
@@ -5250,7 +5201,7 @@
             <a:noAutofit/>
           </a:bodyPr>
           <a:lstStyle>
-            <a:lvl1pPr marL="457200" lvl="0" indent="-342900" algn="ctr">
+            <a:lvl1pPr marL="342900" lvl="0" indent="-257175" algn="ctr">
               <a:lnSpc>
                 <a:spcPct val="115000"/>
               </a:lnSpc>
@@ -5264,12 +5215,12 @@
               <a:buChar char="●"/>
               <a:defRPr/>
             </a:lvl1pPr>
-            <a:lvl2pPr marL="914400" lvl="1" indent="-317500" algn="ctr">
+            <a:lvl2pPr marL="685800" lvl="1" indent="-238125" algn="ctr">
               <a:lnSpc>
                 <a:spcPct val="115000"/>
               </a:lnSpc>
               <a:spcBef>
-                <a:spcPts val="1600"/>
+                <a:spcPts val="1200"/>
               </a:spcBef>
               <a:spcAft>
                 <a:spcPts val="0"/>
@@ -5278,12 +5229,12 @@
               <a:buChar char="○"/>
               <a:defRPr/>
             </a:lvl2pPr>
-            <a:lvl3pPr marL="1371600" lvl="2" indent="-317500" algn="ctr">
+            <a:lvl3pPr marL="1028700" lvl="2" indent="-238125" algn="ctr">
               <a:lnSpc>
                 <a:spcPct val="115000"/>
               </a:lnSpc>
               <a:spcBef>
-                <a:spcPts val="1600"/>
+                <a:spcPts val="1200"/>
               </a:spcBef>
               <a:spcAft>
                 <a:spcPts val="0"/>
@@ -5292,12 +5243,12 @@
               <a:buChar char="■"/>
               <a:defRPr/>
             </a:lvl3pPr>
-            <a:lvl4pPr marL="1828800" lvl="3" indent="-317500" algn="ctr">
+            <a:lvl4pPr marL="1371600" lvl="3" indent="-238125" algn="ctr">
               <a:lnSpc>
                 <a:spcPct val="115000"/>
               </a:lnSpc>
               <a:spcBef>
-                <a:spcPts val="1600"/>
+                <a:spcPts val="1200"/>
               </a:spcBef>
               <a:spcAft>
                 <a:spcPts val="0"/>
@@ -5306,12 +5257,12 @@
               <a:buChar char="●"/>
               <a:defRPr/>
             </a:lvl4pPr>
-            <a:lvl5pPr marL="2286000" lvl="4" indent="-317500" algn="ctr">
+            <a:lvl5pPr marL="1714500" lvl="4" indent="-238125" algn="ctr">
               <a:lnSpc>
                 <a:spcPct val="115000"/>
               </a:lnSpc>
               <a:spcBef>
-                <a:spcPts val="1600"/>
+                <a:spcPts val="1200"/>
               </a:spcBef>
               <a:spcAft>
                 <a:spcPts val="0"/>
@@ -5320,12 +5271,12 @@
               <a:buChar char="○"/>
               <a:defRPr/>
             </a:lvl5pPr>
-            <a:lvl6pPr marL="2743200" lvl="5" indent="-317500" algn="ctr">
+            <a:lvl6pPr marL="2057400" lvl="5" indent="-238125" algn="ctr">
               <a:lnSpc>
                 <a:spcPct val="115000"/>
               </a:lnSpc>
               <a:spcBef>
-                <a:spcPts val="1600"/>
+                <a:spcPts val="1200"/>
               </a:spcBef>
               <a:spcAft>
                 <a:spcPts val="0"/>
@@ -5334,12 +5285,12 @@
               <a:buChar char="■"/>
               <a:defRPr/>
             </a:lvl6pPr>
-            <a:lvl7pPr marL="3200400" lvl="6" indent="-317500" algn="ctr">
+            <a:lvl7pPr marL="2400300" lvl="6" indent="-238125" algn="ctr">
               <a:lnSpc>
                 <a:spcPct val="115000"/>
               </a:lnSpc>
               <a:spcBef>
-                <a:spcPts val="1600"/>
+                <a:spcPts val="1200"/>
               </a:spcBef>
               <a:spcAft>
                 <a:spcPts val="0"/>
@@ -5348,12 +5299,12 @@
               <a:buChar char="●"/>
               <a:defRPr/>
             </a:lvl7pPr>
-            <a:lvl8pPr marL="3657600" lvl="7" indent="-317500" algn="ctr">
+            <a:lvl8pPr marL="2743200" lvl="7" indent="-238125" algn="ctr">
               <a:lnSpc>
                 <a:spcPct val="115000"/>
               </a:lnSpc>
               <a:spcBef>
-                <a:spcPts val="1600"/>
+                <a:spcPts val="1200"/>
               </a:spcBef>
               <a:spcAft>
                 <a:spcPts val="0"/>
@@ -5362,15 +5313,15 @@
               <a:buChar char="○"/>
               <a:defRPr/>
             </a:lvl8pPr>
-            <a:lvl9pPr marL="4114800" lvl="8" indent="-317500" algn="ctr">
+            <a:lvl9pPr marL="3086100" lvl="8" indent="-238125" algn="ctr">
               <a:lnSpc>
                 <a:spcPct val="115000"/>
               </a:lnSpc>
               <a:spcBef>
-                <a:spcPts val="1600"/>
-              </a:spcBef>
-              <a:spcAft>
-                <a:spcPts val="1600"/>
+                <a:spcPts val="1200"/>
+              </a:spcBef>
+              <a:spcAft>
+                <a:spcPts val="1200"/>
               </a:spcAft>
               <a:buSzPts val="1400"/>
               <a:buChar char="■"/>
@@ -5394,8 +5345,8 @@
         </p:nvSpPr>
         <p:spPr>
           <a:xfrm>
-            <a:off x="8472458" y="6217622"/>
-            <a:ext cx="548700" cy="524700"/>
+            <a:off x="8472458" y="4663217"/>
+            <a:ext cx="548700" cy="393525"/>
           </a:xfrm>
           <a:prstGeom prst="rect">
             <a:avLst/>
@@ -5426,7 +5377,7 @@
               <a:buSzPts val="1000"/>
               <a:buFont typeface="Arial"/>
               <a:buNone/>
-              <a:defRPr sz="1000" b="0" i="0" u="none" strike="noStrike" cap="none">
+              <a:defRPr sz="750" b="0" i="0" u="none" strike="noStrike" cap="none">
                 <a:solidFill>
                   <a:schemeClr val="dk2"/>
                 </a:solidFill>
@@ -5452,7 +5403,7 @@
               <a:buSzPts val="1000"/>
               <a:buFont typeface="Arial"/>
               <a:buNone/>
-              <a:defRPr sz="1000" b="0" i="0" u="none" strike="noStrike" cap="none">
+              <a:defRPr sz="750" b="0" i="0" u="none" strike="noStrike" cap="none">
                 <a:solidFill>
                   <a:schemeClr val="dk2"/>
                 </a:solidFill>
@@ -5478,7 +5429,7 @@
               <a:buSzPts val="1000"/>
               <a:buFont typeface="Arial"/>
               <a:buNone/>
-              <a:defRPr sz="1000" b="0" i="0" u="none" strike="noStrike" cap="none">
+              <a:defRPr sz="750" b="0" i="0" u="none" strike="noStrike" cap="none">
                 <a:solidFill>
                   <a:schemeClr val="dk2"/>
                 </a:solidFill>
@@ -5504,7 +5455,7 @@
               <a:buSzPts val="1000"/>
               <a:buFont typeface="Arial"/>
               <a:buNone/>
-              <a:defRPr sz="1000" b="0" i="0" u="none" strike="noStrike" cap="none">
+              <a:defRPr sz="750" b="0" i="0" u="none" strike="noStrike" cap="none">
                 <a:solidFill>
                   <a:schemeClr val="dk2"/>
                 </a:solidFill>
@@ -5530,7 +5481,7 @@
               <a:buSzPts val="1000"/>
               <a:buFont typeface="Arial"/>
               <a:buNone/>
-              <a:defRPr sz="1000" b="0" i="0" u="none" strike="noStrike" cap="none">
+              <a:defRPr sz="750" b="0" i="0" u="none" strike="noStrike" cap="none">
                 <a:solidFill>
                   <a:schemeClr val="dk2"/>
                 </a:solidFill>
@@ -5556,7 +5507,7 @@
               <a:buSzPts val="1000"/>
               <a:buFont typeface="Arial"/>
               <a:buNone/>
-              <a:defRPr sz="1000" b="0" i="0" u="none" strike="noStrike" cap="none">
+              <a:defRPr sz="750" b="0" i="0" u="none" strike="noStrike" cap="none">
                 <a:solidFill>
                   <a:schemeClr val="dk2"/>
                 </a:solidFill>
@@ -5582,7 +5533,7 @@
               <a:buSzPts val="1000"/>
               <a:buFont typeface="Arial"/>
               <a:buNone/>
-              <a:defRPr sz="1000" b="0" i="0" u="none" strike="noStrike" cap="none">
+              <a:defRPr sz="750" b="0" i="0" u="none" strike="noStrike" cap="none">
                 <a:solidFill>
                   <a:schemeClr val="dk2"/>
                 </a:solidFill>
@@ -5608,7 +5559,7 @@
               <a:buSzPts val="1000"/>
               <a:buFont typeface="Arial"/>
               <a:buNone/>
-              <a:defRPr sz="1000" b="0" i="0" u="none" strike="noStrike" cap="none">
+              <a:defRPr sz="750" b="0" i="0" u="none" strike="noStrike" cap="none">
                 <a:solidFill>
                   <a:schemeClr val="dk2"/>
                 </a:solidFill>
@@ -5634,7 +5585,7 @@
               <a:buSzPts val="1000"/>
               <a:buFont typeface="Arial"/>
               <a:buNone/>
-              <a:defRPr sz="1000" b="0" i="0" u="none" strike="noStrike" cap="none">
+              <a:defRPr sz="750" b="0" i="0" u="none" strike="noStrike" cap="none">
                 <a:solidFill>
                   <a:schemeClr val="dk2"/>
                 </a:solidFill>
@@ -5646,20 +5597,12 @@
             </a:lvl9pPr>
           </a:lstStyle>
           <a:p>
-            <a:pPr marL="0" lvl="0" indent="0" algn="r" rtl="0">
-              <a:spcBef>
-                <a:spcPts val="0"/>
-              </a:spcBef>
-              <a:spcAft>
-                <a:spcPts val="0"/>
-              </a:spcAft>
-              <a:buNone/>
-            </a:pPr>
             <a:fld id="{00000000-1234-1234-1234-123412341234}" type="slidenum">
-              <a:rPr lang="en"/>
+              <a:rPr lang="en" smtClean="0"/>
+              <a:pPr/>
               <a:t>‹#›</a:t>
             </a:fld>
-            <a:endParaRPr/>
+            <a:endParaRPr lang="en"/>
           </a:p>
         </p:txBody>
       </p:sp>
@@ -5708,8 +5651,8 @@
         </p:nvSpPr>
         <p:spPr>
           <a:xfrm>
-            <a:off x="8472458" y="6217622"/>
-            <a:ext cx="548700" cy="524700"/>
+            <a:off x="8472458" y="4663217"/>
+            <a:ext cx="548700" cy="393525"/>
           </a:xfrm>
           <a:prstGeom prst="rect">
             <a:avLst/>
@@ -5740,7 +5683,7 @@
               <a:buSzPts val="1000"/>
               <a:buFont typeface="Arial"/>
               <a:buNone/>
-              <a:defRPr sz="1000" b="0" i="0" u="none" strike="noStrike" cap="none">
+              <a:defRPr sz="750" b="0" i="0" u="none" strike="noStrike" cap="none">
                 <a:solidFill>
                   <a:schemeClr val="dk2"/>
                 </a:solidFill>
@@ -5766,7 +5709,7 @@
               <a:buSzPts val="1000"/>
               <a:buFont typeface="Arial"/>
               <a:buNone/>
-              <a:defRPr sz="1000" b="0" i="0" u="none" strike="noStrike" cap="none">
+              <a:defRPr sz="750" b="0" i="0" u="none" strike="noStrike" cap="none">
                 <a:solidFill>
                   <a:schemeClr val="dk2"/>
                 </a:solidFill>
@@ -5792,7 +5735,7 @@
               <a:buSzPts val="1000"/>
               <a:buFont typeface="Arial"/>
               <a:buNone/>
-              <a:defRPr sz="1000" b="0" i="0" u="none" strike="noStrike" cap="none">
+              <a:defRPr sz="750" b="0" i="0" u="none" strike="noStrike" cap="none">
                 <a:solidFill>
                   <a:schemeClr val="dk2"/>
                 </a:solidFill>
@@ -5818,7 +5761,7 @@
               <a:buSzPts val="1000"/>
               <a:buFont typeface="Arial"/>
               <a:buNone/>
-              <a:defRPr sz="1000" b="0" i="0" u="none" strike="noStrike" cap="none">
+              <a:defRPr sz="750" b="0" i="0" u="none" strike="noStrike" cap="none">
                 <a:solidFill>
                   <a:schemeClr val="dk2"/>
                 </a:solidFill>
@@ -5844,7 +5787,7 @@
               <a:buSzPts val="1000"/>
               <a:buFont typeface="Arial"/>
               <a:buNone/>
-              <a:defRPr sz="1000" b="0" i="0" u="none" strike="noStrike" cap="none">
+              <a:defRPr sz="750" b="0" i="0" u="none" strike="noStrike" cap="none">
                 <a:solidFill>
                   <a:schemeClr val="dk2"/>
                 </a:solidFill>
@@ -5870,7 +5813,7 @@
               <a:buSzPts val="1000"/>
               <a:buFont typeface="Arial"/>
               <a:buNone/>
-              <a:defRPr sz="1000" b="0" i="0" u="none" strike="noStrike" cap="none">
+              <a:defRPr sz="750" b="0" i="0" u="none" strike="noStrike" cap="none">
                 <a:solidFill>
                   <a:schemeClr val="dk2"/>
                 </a:solidFill>
@@ -5896,7 +5839,7 @@
               <a:buSzPts val="1000"/>
               <a:buFont typeface="Arial"/>
               <a:buNone/>
-              <a:defRPr sz="1000" b="0" i="0" u="none" strike="noStrike" cap="none">
+              <a:defRPr sz="750" b="0" i="0" u="none" strike="noStrike" cap="none">
                 <a:solidFill>
                   <a:schemeClr val="dk2"/>
                 </a:solidFill>
@@ -5922,7 +5865,7 @@
               <a:buSzPts val="1000"/>
               <a:buFont typeface="Arial"/>
               <a:buNone/>
-              <a:defRPr sz="1000" b="0" i="0" u="none" strike="noStrike" cap="none">
+              <a:defRPr sz="750" b="0" i="0" u="none" strike="noStrike" cap="none">
                 <a:solidFill>
                   <a:schemeClr val="dk2"/>
                 </a:solidFill>
@@ -5948,7 +5891,7 @@
               <a:buSzPts val="1000"/>
               <a:buFont typeface="Arial"/>
               <a:buNone/>
-              <a:defRPr sz="1000" b="0" i="0" u="none" strike="noStrike" cap="none">
+              <a:defRPr sz="750" b="0" i="0" u="none" strike="noStrike" cap="none">
                 <a:solidFill>
                   <a:schemeClr val="dk2"/>
                 </a:solidFill>
@@ -5960,20 +5903,12 @@
             </a:lvl9pPr>
           </a:lstStyle>
           <a:p>
-            <a:pPr marL="0" lvl="0" indent="0" algn="r" rtl="0">
-              <a:spcBef>
-                <a:spcPts val="0"/>
-              </a:spcBef>
-              <a:spcAft>
-                <a:spcPts val="0"/>
-              </a:spcAft>
-              <a:buNone/>
-            </a:pPr>
             <a:fld id="{00000000-1234-1234-1234-123412341234}" type="slidenum">
-              <a:rPr lang="en"/>
+              <a:rPr lang="en" smtClean="0"/>
+              <a:pPr/>
               <a:t>‹#›</a:t>
             </a:fld>
-            <a:endParaRPr/>
+            <a:endParaRPr lang="en"/>
           </a:p>
         </p:txBody>
       </p:sp>
@@ -6030,8 +5965,8 @@
         </p:nvSpPr>
         <p:spPr>
           <a:xfrm>
-            <a:off x="311700" y="593367"/>
-            <a:ext cx="8520600" cy="763500"/>
+            <a:off x="311700" y="445025"/>
+            <a:ext cx="8520600" cy="572625"/>
           </a:xfrm>
           <a:prstGeom prst="rect">
             <a:avLst/>
@@ -6298,8 +6233,8 @@
         </p:nvSpPr>
         <p:spPr>
           <a:xfrm>
-            <a:off x="311700" y="1536633"/>
-            <a:ext cx="8520600" cy="4555200"/>
+            <a:off x="311700" y="1152475"/>
+            <a:ext cx="8520600" cy="3416400"/>
           </a:xfrm>
           <a:prstGeom prst="rect">
             <a:avLst/>
@@ -6566,8 +6501,8 @@
         </p:nvSpPr>
         <p:spPr>
           <a:xfrm>
-            <a:off x="8472458" y="6217622"/>
-            <a:ext cx="548700" cy="524700"/>
+            <a:off x="8472458" y="4663217"/>
+            <a:ext cx="548700" cy="393525"/>
           </a:xfrm>
           <a:prstGeom prst="rect">
             <a:avLst/>
@@ -6598,7 +6533,7 @@
               <a:buSzPts val="1000"/>
               <a:buFont typeface="Arial"/>
               <a:buNone/>
-              <a:defRPr sz="1000" b="0" i="0" u="none" strike="noStrike" cap="none">
+              <a:defRPr sz="750" b="0" i="0" u="none" strike="noStrike" cap="none">
                 <a:solidFill>
                   <a:schemeClr val="dk2"/>
                 </a:solidFill>
@@ -6624,7 +6559,7 @@
               <a:buSzPts val="1000"/>
               <a:buFont typeface="Arial"/>
               <a:buNone/>
-              <a:defRPr sz="1000" b="0" i="0" u="none" strike="noStrike" cap="none">
+              <a:defRPr sz="750" b="0" i="0" u="none" strike="noStrike" cap="none">
                 <a:solidFill>
                   <a:schemeClr val="dk2"/>
                 </a:solidFill>
@@ -6650,7 +6585,7 @@
               <a:buSzPts val="1000"/>
               <a:buFont typeface="Arial"/>
               <a:buNone/>
-              <a:defRPr sz="1000" b="0" i="0" u="none" strike="noStrike" cap="none">
+              <a:defRPr sz="750" b="0" i="0" u="none" strike="noStrike" cap="none">
                 <a:solidFill>
                   <a:schemeClr val="dk2"/>
                 </a:solidFill>
@@ -6676,7 +6611,7 @@
               <a:buSzPts val="1000"/>
               <a:buFont typeface="Arial"/>
               <a:buNone/>
-              <a:defRPr sz="1000" b="0" i="0" u="none" strike="noStrike" cap="none">
+              <a:defRPr sz="750" b="0" i="0" u="none" strike="noStrike" cap="none">
                 <a:solidFill>
                   <a:schemeClr val="dk2"/>
                 </a:solidFill>
@@ -6702,7 +6637,7 @@
               <a:buSzPts val="1000"/>
               <a:buFont typeface="Arial"/>
               <a:buNone/>
-              <a:defRPr sz="1000" b="0" i="0" u="none" strike="noStrike" cap="none">
+              <a:defRPr sz="750" b="0" i="0" u="none" strike="noStrike" cap="none">
                 <a:solidFill>
                   <a:schemeClr val="dk2"/>
                 </a:solidFill>
@@ -6728,7 +6663,7 @@
               <a:buSzPts val="1000"/>
               <a:buFont typeface="Arial"/>
               <a:buNone/>
-              <a:defRPr sz="1000" b="0" i="0" u="none" strike="noStrike" cap="none">
+              <a:defRPr sz="750" b="0" i="0" u="none" strike="noStrike" cap="none">
                 <a:solidFill>
                   <a:schemeClr val="dk2"/>
                 </a:solidFill>
@@ -6754,7 +6689,7 @@
               <a:buSzPts val="1000"/>
               <a:buFont typeface="Arial"/>
               <a:buNone/>
-              <a:defRPr sz="1000" b="0" i="0" u="none" strike="noStrike" cap="none">
+              <a:defRPr sz="750" b="0" i="0" u="none" strike="noStrike" cap="none">
                 <a:solidFill>
                   <a:schemeClr val="dk2"/>
                 </a:solidFill>
@@ -6780,7 +6715,7 @@
               <a:buSzPts val="1000"/>
               <a:buFont typeface="Arial"/>
               <a:buNone/>
-              <a:defRPr sz="1000" b="0" i="0" u="none" strike="noStrike" cap="none">
+              <a:defRPr sz="750" b="0" i="0" u="none" strike="noStrike" cap="none">
                 <a:solidFill>
                   <a:schemeClr val="dk2"/>
                 </a:solidFill>
@@ -6806,7 +6741,7 @@
               <a:buSzPts val="1000"/>
               <a:buFont typeface="Arial"/>
               <a:buNone/>
-              <a:defRPr sz="1000" b="0" i="0" u="none" strike="noStrike" cap="none">
+              <a:defRPr sz="750" b="0" i="0" u="none" strike="noStrike" cap="none">
                 <a:solidFill>
                   <a:schemeClr val="dk2"/>
                 </a:solidFill>
@@ -6818,20 +6753,12 @@
             </a:lvl9pPr>
           </a:lstStyle>
           <a:p>
-            <a:pPr marL="0" lvl="0" indent="0" algn="r" rtl="0">
-              <a:spcBef>
-                <a:spcPts val="0"/>
-              </a:spcBef>
-              <a:spcAft>
-                <a:spcPts val="0"/>
-              </a:spcAft>
-              <a:buNone/>
-            </a:pPr>
             <a:fld id="{00000000-1234-1234-1234-123412341234}" type="slidenum">
-              <a:rPr lang="en"/>
+              <a:rPr lang="en" smtClean="0"/>
+              <a:pPr/>
               <a:t>‹#›</a:t>
             </a:fld>
-            <a:endParaRPr/>
+            <a:endParaRPr lang="en"/>
           </a:p>
         </p:txBody>
       </p:sp>
@@ -6885,7 +6812,7 @@
           <a:srgbClr val="000000"/>
         </a:buClr>
         <a:buFont typeface="Arial"/>
-        <a:defRPr sz="1400" b="0" i="0" u="none" strike="noStrike" cap="none">
+        <a:defRPr sz="1050" b="0" i="0" u="none" strike="noStrike" cap="none">
           <a:solidFill>
             <a:srgbClr val="000000"/>
           </a:solidFill>
@@ -6909,7 +6836,7 @@
           <a:srgbClr val="000000"/>
         </a:buClr>
         <a:buFont typeface="Arial"/>
-        <a:defRPr sz="1400" b="0" i="0" u="none" strike="noStrike" cap="none">
+        <a:defRPr sz="1050" b="0" i="0" u="none" strike="noStrike" cap="none">
           <a:solidFill>
             <a:srgbClr val="000000"/>
           </a:solidFill>
@@ -6933,7 +6860,7 @@
           <a:srgbClr val="000000"/>
         </a:buClr>
         <a:buFont typeface="Arial"/>
-        <a:defRPr sz="1400" b="0" i="0" u="none" strike="noStrike" cap="none">
+        <a:defRPr sz="1050" b="0" i="0" u="none" strike="noStrike" cap="none">
           <a:solidFill>
             <a:srgbClr val="000000"/>
           </a:solidFill>
@@ -6957,7 +6884,7 @@
           <a:srgbClr val="000000"/>
         </a:buClr>
         <a:buFont typeface="Arial"/>
-        <a:defRPr sz="1400" b="0" i="0" u="none" strike="noStrike" cap="none">
+        <a:defRPr sz="1050" b="0" i="0" u="none" strike="noStrike" cap="none">
           <a:solidFill>
             <a:srgbClr val="000000"/>
           </a:solidFill>
@@ -6981,7 +6908,7 @@
           <a:srgbClr val="000000"/>
         </a:buClr>
         <a:buFont typeface="Arial"/>
-        <a:defRPr sz="1400" b="0" i="0" u="none" strike="noStrike" cap="none">
+        <a:defRPr sz="1050" b="0" i="0" u="none" strike="noStrike" cap="none">
           <a:solidFill>
             <a:srgbClr val="000000"/>
           </a:solidFill>
@@ -7005,7 +6932,7 @@
           <a:srgbClr val="000000"/>
         </a:buClr>
         <a:buFont typeface="Arial"/>
-        <a:defRPr sz="1400" b="0" i="0" u="none" strike="noStrike" cap="none">
+        <a:defRPr sz="1050" b="0" i="0" u="none" strike="noStrike" cap="none">
           <a:solidFill>
             <a:srgbClr val="000000"/>
           </a:solidFill>
@@ -7029,7 +6956,7 @@
           <a:srgbClr val="000000"/>
         </a:buClr>
         <a:buFont typeface="Arial"/>
-        <a:defRPr sz="1400" b="0" i="0" u="none" strike="noStrike" cap="none">
+        <a:defRPr sz="1050" b="0" i="0" u="none" strike="noStrike" cap="none">
           <a:solidFill>
             <a:srgbClr val="000000"/>
           </a:solidFill>
@@ -7053,7 +6980,7 @@
           <a:srgbClr val="000000"/>
         </a:buClr>
         <a:buFont typeface="Arial"/>
-        <a:defRPr sz="1400" b="0" i="0" u="none" strike="noStrike" cap="none">
+        <a:defRPr sz="1050" b="0" i="0" u="none" strike="noStrike" cap="none">
           <a:solidFill>
             <a:srgbClr val="000000"/>
           </a:solidFill>
@@ -7077,7 +7004,7 @@
           <a:srgbClr val="000000"/>
         </a:buClr>
         <a:buFont typeface="Arial"/>
-        <a:defRPr sz="1400" b="0" i="0" u="none" strike="noStrike" cap="none">
+        <a:defRPr sz="1050" b="0" i="0" u="none" strike="noStrike" cap="none">
           <a:solidFill>
             <a:srgbClr val="000000"/>
           </a:solidFill>
@@ -7114,7 +7041,7 @@
           <a:srgbClr val="000000"/>
         </a:buClr>
         <a:buFont typeface="Arial"/>
-        <a:defRPr sz="1400" b="0" i="0" u="none" strike="noStrike" cap="none">
+        <a:defRPr sz="1050" b="0" i="0" u="none" strike="noStrike" cap="none">
           <a:solidFill>
             <a:srgbClr val="000000"/>
           </a:solidFill>
@@ -7138,7 +7065,7 @@
           <a:srgbClr val="000000"/>
         </a:buClr>
         <a:buFont typeface="Arial"/>
-        <a:defRPr sz="1400" b="0" i="0" u="none" strike="noStrike" cap="none">
+        <a:defRPr sz="1050" b="0" i="0" u="none" strike="noStrike" cap="none">
           <a:solidFill>
             <a:srgbClr val="000000"/>
           </a:solidFill>
@@ -7162,7 +7089,7 @@
           <a:srgbClr val="000000"/>
         </a:buClr>
         <a:buFont typeface="Arial"/>
-        <a:defRPr sz="1400" b="0" i="0" u="none" strike="noStrike" cap="none">
+        <a:defRPr sz="1050" b="0" i="0" u="none" strike="noStrike" cap="none">
           <a:solidFill>
             <a:srgbClr val="000000"/>
           </a:solidFill>
@@ -7186,7 +7113,7 @@
           <a:srgbClr val="000000"/>
         </a:buClr>
         <a:buFont typeface="Arial"/>
-        <a:defRPr sz="1400" b="0" i="0" u="none" strike="noStrike" cap="none">
+        <a:defRPr sz="1050" b="0" i="0" u="none" strike="noStrike" cap="none">
           <a:solidFill>
             <a:srgbClr val="000000"/>
           </a:solidFill>
@@ -7210,7 +7137,7 @@
           <a:srgbClr val="000000"/>
         </a:buClr>
         <a:buFont typeface="Arial"/>
-        <a:defRPr sz="1400" b="0" i="0" u="none" strike="noStrike" cap="none">
+        <a:defRPr sz="1050" b="0" i="0" u="none" strike="noStrike" cap="none">
           <a:solidFill>
             <a:srgbClr val="000000"/>
           </a:solidFill>
@@ -7234,7 +7161,7 @@
           <a:srgbClr val="000000"/>
         </a:buClr>
         <a:buFont typeface="Arial"/>
-        <a:defRPr sz="1400" b="0" i="0" u="none" strike="noStrike" cap="none">
+        <a:defRPr sz="1050" b="0" i="0" u="none" strike="noStrike" cap="none">
           <a:solidFill>
             <a:srgbClr val="000000"/>
           </a:solidFill>
@@ -7258,7 +7185,7 @@
           <a:srgbClr val="000000"/>
         </a:buClr>
         <a:buFont typeface="Arial"/>
-        <a:defRPr sz="1400" b="0" i="0" u="none" strike="noStrike" cap="none">
+        <a:defRPr sz="1050" b="0" i="0" u="none" strike="noStrike" cap="none">
           <a:solidFill>
             <a:srgbClr val="000000"/>
           </a:solidFill>
@@ -7282,7 +7209,7 @@
           <a:srgbClr val="000000"/>
         </a:buClr>
         <a:buFont typeface="Arial"/>
-        <a:defRPr sz="1400" b="0" i="0" u="none" strike="noStrike" cap="none">
+        <a:defRPr sz="1050" b="0" i="0" u="none" strike="noStrike" cap="none">
           <a:solidFill>
             <a:srgbClr val="000000"/>
           </a:solidFill>
@@ -7306,7 +7233,7 @@
           <a:srgbClr val="000000"/>
         </a:buClr>
         <a:buFont typeface="Arial"/>
-        <a:defRPr sz="1400" b="0" i="0" u="none" strike="noStrike" cap="none">
+        <a:defRPr sz="1050" b="0" i="0" u="none" strike="noStrike" cap="none">
           <a:solidFill>
             <a:srgbClr val="000000"/>
           </a:solidFill>
@@ -7343,7 +7270,7 @@
           <a:srgbClr val="000000"/>
         </a:buClr>
         <a:buFont typeface="Arial"/>
-        <a:defRPr sz="1400" b="0" i="0" u="none" strike="noStrike" cap="none">
+        <a:defRPr sz="1050" b="0" i="0" u="none" strike="noStrike" cap="none">
           <a:solidFill>
             <a:srgbClr val="000000"/>
           </a:solidFill>
@@ -7367,7 +7294,7 @@
           <a:srgbClr val="000000"/>
         </a:buClr>
         <a:buFont typeface="Arial"/>
-        <a:defRPr sz="1400" b="0" i="0" u="none" strike="noStrike" cap="none">
+        <a:defRPr sz="1050" b="0" i="0" u="none" strike="noStrike" cap="none">
           <a:solidFill>
             <a:srgbClr val="000000"/>
           </a:solidFill>
@@ -7391,7 +7318,7 @@
           <a:srgbClr val="000000"/>
         </a:buClr>
         <a:buFont typeface="Arial"/>
-        <a:defRPr sz="1400" b="0" i="0" u="none" strike="noStrike" cap="none">
+        <a:defRPr sz="1050" b="0" i="0" u="none" strike="noStrike" cap="none">
           <a:solidFill>
             <a:srgbClr val="000000"/>
           </a:solidFill>
@@ -7415,7 +7342,7 @@
           <a:srgbClr val="000000"/>
         </a:buClr>
         <a:buFont typeface="Arial"/>
-        <a:defRPr sz="1400" b="0" i="0" u="none" strike="noStrike" cap="none">
+        <a:defRPr sz="1050" b="0" i="0" u="none" strike="noStrike" cap="none">
           <a:solidFill>
             <a:srgbClr val="000000"/>
           </a:solidFill>
@@ -7439,7 +7366,7 @@
           <a:srgbClr val="000000"/>
         </a:buClr>
         <a:buFont typeface="Arial"/>
-        <a:defRPr sz="1400" b="0" i="0" u="none" strike="noStrike" cap="none">
+        <a:defRPr sz="1050" b="0" i="0" u="none" strike="noStrike" cap="none">
           <a:solidFill>
             <a:srgbClr val="000000"/>
           </a:solidFill>
@@ -7463,7 +7390,7 @@
           <a:srgbClr val="000000"/>
         </a:buClr>
         <a:buFont typeface="Arial"/>
-        <a:defRPr sz="1400" b="0" i="0" u="none" strike="noStrike" cap="none">
+        <a:defRPr sz="1050" b="0" i="0" u="none" strike="noStrike" cap="none">
           <a:solidFill>
             <a:srgbClr val="000000"/>
           </a:solidFill>
@@ -7487,7 +7414,7 @@
           <a:srgbClr val="000000"/>
         </a:buClr>
         <a:buFont typeface="Arial"/>
-        <a:defRPr sz="1400" b="0" i="0" u="none" strike="noStrike" cap="none">
+        <a:defRPr sz="1050" b="0" i="0" u="none" strike="noStrike" cap="none">
           <a:solidFill>
             <a:srgbClr val="000000"/>
           </a:solidFill>
@@ -7511,7 +7438,7 @@
           <a:srgbClr val="000000"/>
         </a:buClr>
         <a:buFont typeface="Arial"/>
-        <a:defRPr sz="1400" b="0" i="0" u="none" strike="noStrike" cap="none">
+        <a:defRPr sz="1050" b="0" i="0" u="none" strike="noStrike" cap="none">
           <a:solidFill>
             <a:srgbClr val="000000"/>
           </a:solidFill>
@@ -7535,7 +7462,7 @@
           <a:srgbClr val="000000"/>
         </a:buClr>
         <a:buFont typeface="Arial"/>
-        <a:defRPr sz="1400" b="0" i="0" u="none" strike="noStrike" cap="none">
+        <a:defRPr sz="1050" b="0" i="0" u="none" strike="noStrike" cap="none">
           <a:solidFill>
             <a:srgbClr val="000000"/>
           </a:solidFill>
@@ -7567,159 +7494,86 @@
           <a:chExt cx="0" cy="0"/>
         </a:xfrm>
       </p:grpSpPr>
-      <p:pic>
-        <p:nvPicPr>
-          <p:cNvPr id="2" name="Picture 1">
+      <p:sp>
+        <p:nvSpPr>
+          <p:cNvPr id="3" name="Rectangle 2">
             <a:extLst>
               <a:ext uri="{FF2B5EF4-FFF2-40B4-BE49-F238E27FC236}">
-                <a16:creationId xmlns:a16="http://schemas.microsoft.com/office/drawing/2014/main" id="{93FEA4A8-3839-D9A5-4C1B-C993A9F326D0}"/>
+                <a16:creationId xmlns:a16="http://schemas.microsoft.com/office/drawing/2014/main" id="{249748DB-1699-7841-D797-FEA332DFE80D}"/>
               </a:ext>
             </a:extLst>
           </p:cNvPr>
-          <p:cNvPicPr>
-            <a:picLocks noChangeAspect="1"/>
-          </p:cNvPicPr>
+          <p:cNvSpPr/>
           <p:nvPr/>
-        </p:nvPicPr>
-        <p:blipFill>
-          <a:blip r:embed="rId3"/>
-          <a:stretch>
-            <a:fillRect/>
-          </a:stretch>
-        </p:blipFill>
+        </p:nvSpPr>
         <p:spPr>
           <a:xfrm>
-            <a:off x="380271" y="1106716"/>
-            <a:ext cx="8173966" cy="1250237"/>
+            <a:off x="694766" y="1783672"/>
+            <a:ext cx="976704" cy="456013"/>
           </a:xfrm>
           <a:prstGeom prst="rect">
             <a:avLst/>
           </a:prstGeom>
+          <a:solidFill>
+            <a:schemeClr val="accent4"/>
+          </a:solidFill>
         </p:spPr>
-      </p:pic>
-      <p:pic>
-        <p:nvPicPr>
-          <p:cNvPr id="7" name="Picture 6">
-            <a:extLst>
-              <a:ext uri="{FF2B5EF4-FFF2-40B4-BE49-F238E27FC236}">
-                <a16:creationId xmlns:a16="http://schemas.microsoft.com/office/drawing/2014/main" id="{3C9F978F-8871-4CEE-84A2-302FB7F93E7C}"/>
-              </a:ext>
-            </a:extLst>
-          </p:cNvPr>
-          <p:cNvPicPr>
-            <a:picLocks noChangeAspect="1"/>
-          </p:cNvPicPr>
-          <p:nvPr/>
-        </p:nvPicPr>
-        <p:blipFill>
-          <a:blip r:embed="rId4"/>
-          <a:stretch>
-            <a:fillRect/>
-          </a:stretch>
-        </p:blipFill>
-        <p:spPr>
-          <a:xfrm>
-            <a:off x="6238497" y="3429000"/>
-            <a:ext cx="2584102" cy="3236400"/>
-          </a:xfrm>
-          <a:prstGeom prst="rect">
-            <a:avLst/>
-          </a:prstGeom>
-        </p:spPr>
-      </p:pic>
-      <p:sp>
-        <p:nvSpPr>
-          <p:cNvPr id="8" name="TextBox 7">
-            <a:extLst>
-              <a:ext uri="{FF2B5EF4-FFF2-40B4-BE49-F238E27FC236}">
-                <a16:creationId xmlns:a16="http://schemas.microsoft.com/office/drawing/2014/main" id="{D39F13D9-B308-3D1A-ABBF-9AF3E56077D9}"/>
-              </a:ext>
-            </a:extLst>
-          </p:cNvPr>
-          <p:cNvSpPr txBox="1"/>
-          <p:nvPr/>
-        </p:nvSpPr>
-        <p:spPr>
-          <a:xfrm>
-            <a:off x="355925" y="538544"/>
-            <a:ext cx="2252540" cy="307777"/>
-          </a:xfrm>
-          <a:prstGeom prst="rect">
-            <a:avLst/>
-          </a:prstGeom>
-          <a:noFill/>
-        </p:spPr>
+        <p:style>
+          <a:lnRef idx="2">
+            <a:schemeClr val="accent1">
+              <a:shade val="50000"/>
+            </a:schemeClr>
+          </a:lnRef>
+          <a:fillRef idx="1">
+            <a:schemeClr val="accent1"/>
+          </a:fillRef>
+          <a:effectRef idx="0">
+            <a:schemeClr val="accent1"/>
+          </a:effectRef>
+          <a:fontRef idx="minor">
+            <a:schemeClr val="lt1"/>
+          </a:fontRef>
+        </p:style>
         <p:txBody>
-          <a:bodyPr wrap="none" rtlCol="0">
-            <a:spAutoFit/>
-          </a:bodyPr>
+          <a:bodyPr rtlCol="0" anchor="ctr"/>
           <a:lstStyle/>
           <a:p>
+            <a:pPr marL="11889">
+              <a:spcBef>
+                <a:spcPts val="89"/>
+              </a:spcBef>
+            </a:pPr>
             <a:r>
-              <a:rPr lang="en-FR" dirty="0"/>
-              <a:t>Category + Country + Iraq</a:t>
+              <a:rPr lang="en-US" sz="900" i="1" dirty="0">
+                <a:latin typeface="Tahoma"/>
+                <a:cs typeface="Tahoma"/>
+              </a:rPr>
+              <a:t>Cat on the right is cute</a:t>
             </a:r>
-          </a:p>
-        </p:txBody>
-      </p:sp>
-      <p:sp>
-        <p:nvSpPr>
-          <p:cNvPr id="9" name="TextBox 8">
-            <a:extLst>
-              <a:ext uri="{FF2B5EF4-FFF2-40B4-BE49-F238E27FC236}">
-                <a16:creationId xmlns:a16="http://schemas.microsoft.com/office/drawing/2014/main" id="{70510F23-3057-5C2E-9E2B-BF9A95130DD0}"/>
-              </a:ext>
-            </a:extLst>
-          </p:cNvPr>
-          <p:cNvSpPr txBox="1"/>
-          <p:nvPr/>
-        </p:nvSpPr>
-        <p:spPr>
-          <a:xfrm>
-            <a:off x="3033656" y="538543"/>
-            <a:ext cx="692818" cy="307777"/>
-          </a:xfrm>
-          <a:prstGeom prst="rect">
-            <a:avLst/>
-          </a:prstGeom>
-          <a:noFill/>
-        </p:spPr>
-        <p:txBody>
-          <a:bodyPr wrap="none" rtlCol="0">
-            <a:spAutoFit/>
-          </a:bodyPr>
-          <a:lstStyle/>
-          <a:p>
-            <a:r>
-              <a:rPr lang="en-FR" b="1" dirty="0">
-                <a:solidFill>
-                  <a:srgbClr val="FF0000"/>
-                </a:solidFill>
-              </a:rPr>
-              <a:t>BAD!!</a:t>
-            </a:r>
+            <a:endParaRPr lang="en-FR" sz="900" dirty="0"/>
           </a:p>
         </p:txBody>
       </p:sp>
       <p:cxnSp>
         <p:nvCxnSpPr>
-          <p:cNvPr id="11" name="Straight Arrow Connector 10">
+          <p:cNvPr id="4" name="Straight Arrow Connector 3">
             <a:extLst>
               <a:ext uri="{FF2B5EF4-FFF2-40B4-BE49-F238E27FC236}">
-                <a16:creationId xmlns:a16="http://schemas.microsoft.com/office/drawing/2014/main" id="{20653F35-EBEC-1CE6-D720-43E740481D15}"/>
+                <a16:creationId xmlns:a16="http://schemas.microsoft.com/office/drawing/2014/main" id="{E9D2949B-E738-73C7-1906-8DB7C434D2CB}"/>
               </a:ext>
             </a:extLst>
           </p:cNvPr>
           <p:cNvCxnSpPr>
-            <a:stCxn id="9" idx="1"/>
-            <a:endCxn id="8" idx="3"/>
+            <a:cxnSpLocks/>
+            <a:stCxn id="3" idx="3"/>
+            <a:endCxn id="10" idx="1"/>
           </p:cNvCxnSpPr>
           <p:nvPr/>
         </p:nvCxnSpPr>
         <p:spPr>
-          <a:xfrm flipH="1">
-            <a:off x="2608465" y="692432"/>
-            <a:ext cx="425191" cy="1"/>
+          <a:xfrm flipV="1">
+            <a:off x="1671470" y="1717833"/>
+            <a:ext cx="492339" cy="293846"/>
           </a:xfrm>
           <a:prstGeom prst="straightConnector1">
             <a:avLst/>
@@ -7745,234 +7599,78 @@
       </p:cxnSp>
       <p:sp>
         <p:nvSpPr>
-          <p:cNvPr id="12" name="TextBox 11">
+          <p:cNvPr id="10" name="Rectangle 9">
             <a:extLst>
               <a:ext uri="{FF2B5EF4-FFF2-40B4-BE49-F238E27FC236}">
-                <a16:creationId xmlns:a16="http://schemas.microsoft.com/office/drawing/2014/main" id="{55D65AE5-03E9-B563-28A2-F12D57C24CC8}"/>
+                <a16:creationId xmlns:a16="http://schemas.microsoft.com/office/drawing/2014/main" id="{493CCD6A-0A52-11D9-22BA-3505FBF615E5}"/>
               </a:ext>
             </a:extLst>
           </p:cNvPr>
-          <p:cNvSpPr txBox="1"/>
+          <p:cNvSpPr/>
           <p:nvPr/>
         </p:nvSpPr>
         <p:spPr>
           <a:xfrm>
-            <a:off x="7971084" y="1559986"/>
-            <a:ext cx="851515" cy="307777"/>
-          </a:xfrm>
-          <a:prstGeom prst="rect">
-            <a:avLst/>
-          </a:prstGeom>
-          <a:noFill/>
-        </p:spPr>
-        <p:txBody>
-          <a:bodyPr wrap="square" rtlCol="0">
-            <a:spAutoFit/>
-          </a:bodyPr>
-          <a:lstStyle/>
-          <a:p>
-            <a:r>
-              <a:rPr lang="en-FR" b="1" dirty="0">
-                <a:solidFill>
-                  <a:srgbClr val="7030A0"/>
-                </a:solidFill>
-              </a:rPr>
-              <a:t>GOOD!!</a:t>
-            </a:r>
-          </a:p>
-        </p:txBody>
-      </p:sp>
-      <p:pic>
-        <p:nvPicPr>
-          <p:cNvPr id="20" name="Picture 19">
-            <a:extLst>
-              <a:ext uri="{FF2B5EF4-FFF2-40B4-BE49-F238E27FC236}">
-                <a16:creationId xmlns:a16="http://schemas.microsoft.com/office/drawing/2014/main" id="{1D21D932-6E26-41CB-3359-22B93B92F415}"/>
-              </a:ext>
-            </a:extLst>
-          </p:cNvPr>
-          <p:cNvPicPr>
-            <a:picLocks noChangeAspect="1"/>
-          </p:cNvPicPr>
-          <p:nvPr/>
-        </p:nvPicPr>
-        <p:blipFill>
-          <a:blip r:embed="rId5"/>
-          <a:stretch>
-            <a:fillRect/>
-          </a:stretch>
-        </p:blipFill>
-        <p:spPr>
-          <a:xfrm>
-            <a:off x="552133" y="4532379"/>
-            <a:ext cx="2056332" cy="1983600"/>
+            <a:off x="2163809" y="1467819"/>
+            <a:ext cx="668373" cy="500028"/>
           </a:xfrm>
           <a:prstGeom prst="rect">
             <a:avLst/>
           </a:prstGeom>
         </p:spPr>
-      </p:pic>
-      <p:sp>
-        <p:nvSpPr>
-          <p:cNvPr id="22" name="TextBox 21">
-            <a:extLst>
-              <a:ext uri="{FF2B5EF4-FFF2-40B4-BE49-F238E27FC236}">
-                <a16:creationId xmlns:a16="http://schemas.microsoft.com/office/drawing/2014/main" id="{094EA8AE-8D4F-982D-FB57-65659A71029C}"/>
-              </a:ext>
-            </a:extLst>
-          </p:cNvPr>
-          <p:cNvSpPr txBox="1"/>
-          <p:nvPr/>
-        </p:nvSpPr>
-        <p:spPr>
-          <a:xfrm>
-            <a:off x="1580299" y="6589709"/>
-            <a:ext cx="2491388" cy="307777"/>
-          </a:xfrm>
-          <a:prstGeom prst="rect">
-            <a:avLst/>
-          </a:prstGeom>
-          <a:noFill/>
-        </p:spPr>
+        <p:style>
+          <a:lnRef idx="2">
+            <a:schemeClr val="accent1">
+              <a:shade val="50000"/>
+            </a:schemeClr>
+          </a:lnRef>
+          <a:fillRef idx="1">
+            <a:schemeClr val="accent1"/>
+          </a:fillRef>
+          <a:effectRef idx="0">
+            <a:schemeClr val="accent1"/>
+          </a:effectRef>
+          <a:fontRef idx="minor">
+            <a:schemeClr val="lt1"/>
+          </a:fontRef>
+        </p:style>
         <p:txBody>
-          <a:bodyPr wrap="none" rtlCol="0">
-            <a:spAutoFit/>
-          </a:bodyPr>
+          <a:bodyPr rtlCol="0" anchor="ctr"/>
           <a:lstStyle/>
           <a:p>
+            <a:pPr marL="11889" algn="ctr">
+              <a:spcBef>
+                <a:spcPts val="89"/>
+              </a:spcBef>
+            </a:pPr>
             <a:r>
-              <a:rPr lang="en-GB" dirty="0"/>
-              <a:t>Morph: </a:t>
-            </a:r>
-            <a:r>
-              <a:rPr lang="en-GB" i="1" dirty="0"/>
-              <a:t>left-l</a:t>
-            </a:r>
-            <a:r>
-              <a:rPr lang="en-FR" i="1" dirty="0"/>
-              <a:t>ittle-finger-closed</a:t>
+              <a:rPr lang="en-US" sz="749" i="1" dirty="0">
+                <a:latin typeface="Tahoma"/>
+                <a:cs typeface="Tahoma"/>
+              </a:rPr>
+              <a:t>cat on the right</a:t>
             </a:r>
           </a:p>
         </p:txBody>
       </p:sp>
-      <p:sp>
-        <p:nvSpPr>
-          <p:cNvPr id="23" name="TextBox 22">
+      <p:cxnSp>
+        <p:nvCxnSpPr>
+          <p:cNvPr id="13" name="Straight Arrow Connector 12">
             <a:extLst>
               <a:ext uri="{FF2B5EF4-FFF2-40B4-BE49-F238E27FC236}">
-                <a16:creationId xmlns:a16="http://schemas.microsoft.com/office/drawing/2014/main" id="{D5ED4724-65E2-1543-68F9-7EAAB90E894A}"/>
-              </a:ext>
-            </a:extLst>
-          </p:cNvPr>
-          <p:cNvSpPr txBox="1"/>
-          <p:nvPr/>
-        </p:nvSpPr>
-        <p:spPr>
-          <a:xfrm>
-            <a:off x="1363733" y="4123485"/>
-            <a:ext cx="433132" cy="307777"/>
-          </a:xfrm>
-          <a:prstGeom prst="rect">
-            <a:avLst/>
-          </a:prstGeom>
-          <a:noFill/>
-        </p:spPr>
-        <p:txBody>
-          <a:bodyPr wrap="none" rtlCol="0">
-            <a:spAutoFit/>
-          </a:bodyPr>
-          <a:lstStyle/>
-          <a:p>
-            <a:r>
-              <a:rPr lang="en-FR" dirty="0"/>
-              <a:t>0.5</a:t>
-            </a:r>
-          </a:p>
-        </p:txBody>
-      </p:sp>
-      <p:sp>
-        <p:nvSpPr>
-          <p:cNvPr id="24" name="TextBox 23">
-            <a:extLst>
-              <a:ext uri="{FF2B5EF4-FFF2-40B4-BE49-F238E27FC236}">
-                <a16:creationId xmlns:a16="http://schemas.microsoft.com/office/drawing/2014/main" id="{F5902222-3659-A8CE-450B-E62E3C94A93C}"/>
-              </a:ext>
-            </a:extLst>
-          </p:cNvPr>
-          <p:cNvSpPr txBox="1"/>
-          <p:nvPr/>
-        </p:nvSpPr>
-        <p:spPr>
-          <a:xfrm>
-            <a:off x="4183202" y="4119541"/>
-            <a:ext cx="284052" cy="307777"/>
-          </a:xfrm>
-          <a:prstGeom prst="rect">
-            <a:avLst/>
-          </a:prstGeom>
-          <a:noFill/>
-        </p:spPr>
-        <p:txBody>
-          <a:bodyPr wrap="none" rtlCol="0">
-            <a:spAutoFit/>
-          </a:bodyPr>
-          <a:lstStyle/>
-          <a:p>
-            <a:r>
-              <a:rPr lang="en-FR" dirty="0"/>
-              <a:t>1</a:t>
-            </a:r>
-          </a:p>
-        </p:txBody>
-      </p:sp>
-      <p:pic>
-        <p:nvPicPr>
-          <p:cNvPr id="25" name="Picture 24">
-            <a:extLst>
-              <a:ext uri="{FF2B5EF4-FFF2-40B4-BE49-F238E27FC236}">
-                <a16:creationId xmlns:a16="http://schemas.microsoft.com/office/drawing/2014/main" id="{C3937C6C-4B53-DEB5-F020-05FE599C1161}"/>
-              </a:ext>
-            </a:extLst>
-          </p:cNvPr>
-          <p:cNvPicPr>
-            <a:picLocks noChangeAspect="1"/>
-          </p:cNvPicPr>
-          <p:nvPr/>
-        </p:nvPicPr>
-        <p:blipFill>
-          <a:blip r:embed="rId6"/>
-          <a:stretch>
-            <a:fillRect/>
-          </a:stretch>
-        </p:blipFill>
-        <p:spPr>
-          <a:xfrm>
-            <a:off x="3379001" y="4501047"/>
-            <a:ext cx="1880424" cy="2008635"/>
-          </a:xfrm>
-          <a:prstGeom prst="rect">
-            <a:avLst/>
-          </a:prstGeom>
-        </p:spPr>
-      </p:pic>
-      <p:cxnSp>
-        <p:nvCxnSpPr>
-          <p:cNvPr id="30" name="Straight Arrow Connector 29">
-            <a:extLst>
-              <a:ext uri="{FF2B5EF4-FFF2-40B4-BE49-F238E27FC236}">
-                <a16:creationId xmlns:a16="http://schemas.microsoft.com/office/drawing/2014/main" id="{B14C5899-9BF4-B574-716A-991EEBD1B5DA}"/>
+                <a16:creationId xmlns:a16="http://schemas.microsoft.com/office/drawing/2014/main" id="{845DBE1C-3A40-545A-4586-011B63A9E7D0}"/>
               </a:ext>
             </a:extLst>
           </p:cNvPr>
           <p:cNvCxnSpPr>
-            <a:stCxn id="12" idx="1"/>
+            <a:cxnSpLocks/>
           </p:cNvCxnSpPr>
           <p:nvPr/>
         </p:nvCxnSpPr>
         <p:spPr>
-          <a:xfrm flipH="1" flipV="1">
-            <a:off x="6992471" y="1713874"/>
-            <a:ext cx="978613" cy="1"/>
+          <a:xfrm flipV="1">
+            <a:off x="2825329" y="1180848"/>
+            <a:ext cx="499144" cy="286971"/>
           </a:xfrm>
           <a:prstGeom prst="straightConnector1">
             <a:avLst/>
@@ -7996,6 +7694,1551 @@
           </a:fontRef>
         </p:style>
       </p:cxnSp>
+      <p:sp>
+        <p:nvSpPr>
+          <p:cNvPr id="14" name="Rectangle 13">
+            <a:extLst>
+              <a:ext uri="{FF2B5EF4-FFF2-40B4-BE49-F238E27FC236}">
+                <a16:creationId xmlns:a16="http://schemas.microsoft.com/office/drawing/2014/main" id="{AA34D34A-47DF-87BB-F42F-849FC7588025}"/>
+              </a:ext>
+            </a:extLst>
+          </p:cNvPr>
+          <p:cNvSpPr/>
+          <p:nvPr/>
+        </p:nvSpPr>
+        <p:spPr>
+          <a:xfrm>
+            <a:off x="3324473" y="914834"/>
+            <a:ext cx="544842" cy="489136"/>
+          </a:xfrm>
+          <a:prstGeom prst="rect">
+            <a:avLst/>
+          </a:prstGeom>
+        </p:spPr>
+        <p:style>
+          <a:lnRef idx="2">
+            <a:schemeClr val="accent1">
+              <a:shade val="50000"/>
+            </a:schemeClr>
+          </a:lnRef>
+          <a:fillRef idx="1">
+            <a:schemeClr val="accent1"/>
+          </a:fillRef>
+          <a:effectRef idx="0">
+            <a:schemeClr val="accent1"/>
+          </a:effectRef>
+          <a:fontRef idx="minor">
+            <a:schemeClr val="lt1"/>
+          </a:fontRef>
+        </p:style>
+        <p:txBody>
+          <a:bodyPr rtlCol="0" anchor="ctr"/>
+          <a:lstStyle/>
+          <a:p>
+            <a:pPr marL="11889" algn="ctr">
+              <a:spcBef>
+                <a:spcPts val="89"/>
+              </a:spcBef>
+            </a:pPr>
+            <a:r>
+              <a:rPr lang="en-US" sz="749" i="1" dirty="0">
+                <a:latin typeface="Tahoma"/>
+                <a:cs typeface="Tahoma"/>
+              </a:rPr>
+              <a:t>cat</a:t>
+            </a:r>
+          </a:p>
+        </p:txBody>
+      </p:sp>
+      <p:sp>
+        <p:nvSpPr>
+          <p:cNvPr id="15" name="Rectangle 14">
+            <a:extLst>
+              <a:ext uri="{FF2B5EF4-FFF2-40B4-BE49-F238E27FC236}">
+                <a16:creationId xmlns:a16="http://schemas.microsoft.com/office/drawing/2014/main" id="{E2C86286-31EC-A5E3-365E-0355D98EF900}"/>
+              </a:ext>
+            </a:extLst>
+          </p:cNvPr>
+          <p:cNvSpPr/>
+          <p:nvPr/>
+        </p:nvSpPr>
+        <p:spPr>
+          <a:xfrm>
+            <a:off x="2256564" y="2378141"/>
+            <a:ext cx="544842" cy="426171"/>
+          </a:xfrm>
+          <a:prstGeom prst="rect">
+            <a:avLst/>
+          </a:prstGeom>
+        </p:spPr>
+        <p:style>
+          <a:lnRef idx="2">
+            <a:schemeClr val="accent1">
+              <a:shade val="50000"/>
+            </a:schemeClr>
+          </a:lnRef>
+          <a:fillRef idx="1">
+            <a:schemeClr val="accent1"/>
+          </a:fillRef>
+          <a:effectRef idx="0">
+            <a:schemeClr val="accent1"/>
+          </a:effectRef>
+          <a:fontRef idx="minor">
+            <a:schemeClr val="lt1"/>
+          </a:fontRef>
+        </p:style>
+        <p:txBody>
+          <a:bodyPr rtlCol="0" anchor="ctr"/>
+          <a:lstStyle/>
+          <a:p>
+            <a:pPr marL="11889" algn="ctr">
+              <a:spcBef>
+                <a:spcPts val="89"/>
+              </a:spcBef>
+            </a:pPr>
+            <a:r>
+              <a:rPr lang="en-US" sz="749" i="1" dirty="0">
+                <a:latin typeface="Tahoma"/>
+                <a:cs typeface="Tahoma"/>
+              </a:rPr>
+              <a:t>cute</a:t>
+            </a:r>
+          </a:p>
+        </p:txBody>
+      </p:sp>
+      <p:cxnSp>
+        <p:nvCxnSpPr>
+          <p:cNvPr id="16" name="Straight Arrow Connector 15">
+            <a:extLst>
+              <a:ext uri="{FF2B5EF4-FFF2-40B4-BE49-F238E27FC236}">
+                <a16:creationId xmlns:a16="http://schemas.microsoft.com/office/drawing/2014/main" id="{20309FD7-B3EF-4D0A-0A1D-DDD1F411E217}"/>
+              </a:ext>
+            </a:extLst>
+          </p:cNvPr>
+          <p:cNvCxnSpPr>
+            <a:cxnSpLocks/>
+            <a:endCxn id="18" idx="1"/>
+          </p:cNvCxnSpPr>
+          <p:nvPr/>
+        </p:nvCxnSpPr>
+        <p:spPr>
+          <a:xfrm>
+            <a:off x="2834128" y="1796590"/>
+            <a:ext cx="550519" cy="168563"/>
+          </a:xfrm>
+          <a:prstGeom prst="straightConnector1">
+            <a:avLst/>
+          </a:prstGeom>
+          <a:ln>
+            <a:tailEnd type="triangle"/>
+          </a:ln>
+        </p:spPr>
+        <p:style>
+          <a:lnRef idx="1">
+            <a:schemeClr val="accent1"/>
+          </a:lnRef>
+          <a:fillRef idx="0">
+            <a:schemeClr val="accent1"/>
+          </a:fillRef>
+          <a:effectRef idx="0">
+            <a:schemeClr val="accent1"/>
+          </a:effectRef>
+          <a:fontRef idx="minor">
+            <a:schemeClr val="tx1"/>
+          </a:fontRef>
+        </p:style>
+      </p:cxnSp>
+      <p:cxnSp>
+        <p:nvCxnSpPr>
+          <p:cNvPr id="17" name="Straight Arrow Connector 16">
+            <a:extLst>
+              <a:ext uri="{FF2B5EF4-FFF2-40B4-BE49-F238E27FC236}">
+                <a16:creationId xmlns:a16="http://schemas.microsoft.com/office/drawing/2014/main" id="{484801E8-5C4D-16F7-86C2-D9A2C4E43B57}"/>
+              </a:ext>
+            </a:extLst>
+          </p:cNvPr>
+          <p:cNvCxnSpPr>
+            <a:cxnSpLocks/>
+            <a:stCxn id="3" idx="3"/>
+            <a:endCxn id="15" idx="1"/>
+          </p:cNvCxnSpPr>
+          <p:nvPr/>
+        </p:nvCxnSpPr>
+        <p:spPr>
+          <a:xfrm>
+            <a:off x="1671470" y="2011679"/>
+            <a:ext cx="585094" cy="579548"/>
+          </a:xfrm>
+          <a:prstGeom prst="straightConnector1">
+            <a:avLst/>
+          </a:prstGeom>
+          <a:ln>
+            <a:tailEnd type="triangle"/>
+          </a:ln>
+        </p:spPr>
+        <p:style>
+          <a:lnRef idx="1">
+            <a:schemeClr val="accent1"/>
+          </a:lnRef>
+          <a:fillRef idx="0">
+            <a:schemeClr val="accent1"/>
+          </a:fillRef>
+          <a:effectRef idx="0">
+            <a:schemeClr val="accent1"/>
+          </a:effectRef>
+          <a:fontRef idx="minor">
+            <a:schemeClr val="tx1"/>
+          </a:fontRef>
+        </p:style>
+      </p:cxnSp>
+      <p:sp>
+        <p:nvSpPr>
+          <p:cNvPr id="18" name="Rectangle 17">
+            <a:extLst>
+              <a:ext uri="{FF2B5EF4-FFF2-40B4-BE49-F238E27FC236}">
+                <a16:creationId xmlns:a16="http://schemas.microsoft.com/office/drawing/2014/main" id="{FD5EE0BE-249D-B742-439F-D9374FB0967C}"/>
+              </a:ext>
+            </a:extLst>
+          </p:cNvPr>
+          <p:cNvSpPr/>
+          <p:nvPr/>
+        </p:nvSpPr>
+        <p:spPr>
+          <a:xfrm>
+            <a:off x="3384647" y="1709722"/>
+            <a:ext cx="668372" cy="510862"/>
+          </a:xfrm>
+          <a:prstGeom prst="rect">
+            <a:avLst/>
+          </a:prstGeom>
+        </p:spPr>
+        <p:style>
+          <a:lnRef idx="2">
+            <a:schemeClr val="accent1">
+              <a:shade val="50000"/>
+            </a:schemeClr>
+          </a:lnRef>
+          <a:fillRef idx="1">
+            <a:schemeClr val="accent1"/>
+          </a:fillRef>
+          <a:effectRef idx="0">
+            <a:schemeClr val="accent1"/>
+          </a:effectRef>
+          <a:fontRef idx="minor">
+            <a:schemeClr val="lt1"/>
+          </a:fontRef>
+        </p:style>
+        <p:txBody>
+          <a:bodyPr rtlCol="0" anchor="ctr"/>
+          <a:lstStyle/>
+          <a:p>
+            <a:pPr algn="ctr"/>
+            <a:r>
+              <a:rPr lang="en-GB" sz="750" dirty="0"/>
+              <a:t>Right</a:t>
+            </a:r>
+          </a:p>
+        </p:txBody>
+      </p:sp>
+      <p:grpSp>
+        <p:nvGrpSpPr>
+          <p:cNvPr id="34" name="Group 33">
+            <a:extLst>
+              <a:ext uri="{FF2B5EF4-FFF2-40B4-BE49-F238E27FC236}">
+                <a16:creationId xmlns:a16="http://schemas.microsoft.com/office/drawing/2014/main" id="{50052A57-999E-5FF8-4364-D9D486E6D371}"/>
+              </a:ext>
+            </a:extLst>
+          </p:cNvPr>
+          <p:cNvGrpSpPr/>
+          <p:nvPr/>
+        </p:nvGrpSpPr>
+        <p:grpSpPr>
+          <a:xfrm>
+            <a:off x="3921822" y="92322"/>
+            <a:ext cx="1300356" cy="400110"/>
+            <a:chOff x="3705380" y="269123"/>
+            <a:chExt cx="1733807" cy="533479"/>
+          </a:xfrm>
+        </p:grpSpPr>
+        <p:sp>
+          <p:nvSpPr>
+            <p:cNvPr id="8" name="TextBox 7">
+              <a:extLst>
+                <a:ext uri="{FF2B5EF4-FFF2-40B4-BE49-F238E27FC236}">
+                  <a16:creationId xmlns:a16="http://schemas.microsoft.com/office/drawing/2014/main" id="{D39F13D9-B308-3D1A-ABBF-9AF3E56077D9}"/>
+                </a:ext>
+              </a:extLst>
+            </p:cNvPr>
+            <p:cNvSpPr txBox="1"/>
+            <p:nvPr/>
+          </p:nvSpPr>
+          <p:spPr>
+            <a:xfrm>
+              <a:off x="3705380" y="269123"/>
+              <a:ext cx="1733807" cy="533479"/>
+            </a:xfrm>
+            <a:prstGeom prst="rect">
+              <a:avLst/>
+            </a:prstGeom>
+            <a:noFill/>
+          </p:spPr>
+          <p:txBody>
+            <a:bodyPr wrap="none" rtlCol="0">
+              <a:spAutoFit/>
+            </a:bodyPr>
+            <a:lstStyle/>
+            <a:p>
+              <a:r>
+                <a:rPr lang="en-FR" sz="2000" dirty="0"/>
+                <a:t>cat + cute</a:t>
+              </a:r>
+            </a:p>
+          </p:txBody>
+        </p:sp>
+        <p:cxnSp>
+          <p:nvCxnSpPr>
+            <p:cNvPr id="29" name="Straight Connector 28">
+              <a:extLst>
+                <a:ext uri="{FF2B5EF4-FFF2-40B4-BE49-F238E27FC236}">
+                  <a16:creationId xmlns:a16="http://schemas.microsoft.com/office/drawing/2014/main" id="{C9C933AC-FFC5-88A6-4AE9-54DC0E49FCF7}"/>
+                </a:ext>
+              </a:extLst>
+            </p:cNvPr>
+            <p:cNvCxnSpPr>
+              <a:cxnSpLocks/>
+            </p:cNvCxnSpPr>
+            <p:nvPr/>
+          </p:nvCxnSpPr>
+          <p:spPr>
+            <a:xfrm>
+              <a:off x="3773872" y="341808"/>
+              <a:ext cx="1540381" cy="406178"/>
+            </a:xfrm>
+            <a:prstGeom prst="line">
+              <a:avLst/>
+            </a:prstGeom>
+            <a:ln w="12700">
+              <a:solidFill>
+                <a:schemeClr val="accent1">
+                  <a:lumMod val="50000"/>
+                </a:schemeClr>
+              </a:solidFill>
+            </a:ln>
+          </p:spPr>
+          <p:style>
+            <a:lnRef idx="1">
+              <a:schemeClr val="accent1"/>
+            </a:lnRef>
+            <a:fillRef idx="0">
+              <a:schemeClr val="accent1"/>
+            </a:fillRef>
+            <a:effectRef idx="0">
+              <a:schemeClr val="accent1"/>
+            </a:effectRef>
+            <a:fontRef idx="minor">
+              <a:schemeClr val="tx1"/>
+            </a:fontRef>
+          </p:style>
+        </p:cxnSp>
+        <p:cxnSp>
+          <p:nvCxnSpPr>
+            <p:cNvPr id="32" name="Straight Connector 31">
+              <a:extLst>
+                <a:ext uri="{FF2B5EF4-FFF2-40B4-BE49-F238E27FC236}">
+                  <a16:creationId xmlns:a16="http://schemas.microsoft.com/office/drawing/2014/main" id="{56A39995-3223-FCDF-F94F-7A6F1CAF9265}"/>
+                </a:ext>
+              </a:extLst>
+            </p:cNvPr>
+            <p:cNvCxnSpPr>
+              <a:cxnSpLocks/>
+            </p:cNvCxnSpPr>
+            <p:nvPr/>
+          </p:nvCxnSpPr>
+          <p:spPr>
+            <a:xfrm flipH="1">
+              <a:off x="3773873" y="297012"/>
+              <a:ext cx="1540381" cy="463259"/>
+            </a:xfrm>
+            <a:prstGeom prst="line">
+              <a:avLst/>
+            </a:prstGeom>
+            <a:ln w="12700">
+              <a:solidFill>
+                <a:schemeClr val="accent1">
+                  <a:lumMod val="50000"/>
+                </a:schemeClr>
+              </a:solidFill>
+            </a:ln>
+          </p:spPr>
+          <p:style>
+            <a:lnRef idx="1">
+              <a:schemeClr val="accent1"/>
+            </a:lnRef>
+            <a:fillRef idx="0">
+              <a:schemeClr val="accent1"/>
+            </a:fillRef>
+            <a:effectRef idx="0">
+              <a:schemeClr val="accent1"/>
+            </a:effectRef>
+            <a:fontRef idx="minor">
+              <a:schemeClr val="tx1"/>
+            </a:fontRef>
+          </p:style>
+        </p:cxnSp>
+      </p:grpSp>
+      <p:grpSp>
+        <p:nvGrpSpPr>
+          <p:cNvPr id="41" name="Group 40">
+            <a:extLst>
+              <a:ext uri="{FF2B5EF4-FFF2-40B4-BE49-F238E27FC236}">
+                <a16:creationId xmlns:a16="http://schemas.microsoft.com/office/drawing/2014/main" id="{3840FC25-01F6-5FE0-22F2-E647E47B9F96}"/>
+              </a:ext>
+            </a:extLst>
+          </p:cNvPr>
+          <p:cNvGrpSpPr/>
+          <p:nvPr/>
+        </p:nvGrpSpPr>
+        <p:grpSpPr>
+          <a:xfrm>
+            <a:off x="4747702" y="3530717"/>
+            <a:ext cx="4207997" cy="1612783"/>
+            <a:chOff x="3647185" y="1510983"/>
+            <a:chExt cx="4207997" cy="1612783"/>
+          </a:xfrm>
+        </p:grpSpPr>
+        <p:sp>
+          <p:nvSpPr>
+            <p:cNvPr id="22" name="TextBox 21">
+              <a:extLst>
+                <a:ext uri="{FF2B5EF4-FFF2-40B4-BE49-F238E27FC236}">
+                  <a16:creationId xmlns:a16="http://schemas.microsoft.com/office/drawing/2014/main" id="{094EA8AE-8D4F-982D-FB57-65659A71029C}"/>
+                </a:ext>
+              </a:extLst>
+            </p:cNvPr>
+            <p:cNvSpPr txBox="1"/>
+            <p:nvPr/>
+          </p:nvSpPr>
+          <p:spPr>
+            <a:xfrm>
+              <a:off x="4741848" y="2869850"/>
+              <a:ext cx="1925527" cy="253916"/>
+            </a:xfrm>
+            <a:prstGeom prst="rect">
+              <a:avLst/>
+            </a:prstGeom>
+            <a:noFill/>
+          </p:spPr>
+          <p:txBody>
+            <a:bodyPr wrap="none" rtlCol="0">
+              <a:spAutoFit/>
+            </a:bodyPr>
+            <a:lstStyle/>
+            <a:p>
+              <a:r>
+                <a:rPr lang="en-GB" sz="1050" dirty="0"/>
+                <a:t>Morph: </a:t>
+              </a:r>
+              <a:r>
+                <a:rPr lang="en-GB" sz="1050" i="1" dirty="0"/>
+                <a:t>left-l</a:t>
+              </a:r>
+              <a:r>
+                <a:rPr lang="en-FR" sz="1050" i="1" dirty="0"/>
+                <a:t>ittle-finger-closed</a:t>
+              </a:r>
+            </a:p>
+          </p:txBody>
+        </p:sp>
+        <p:sp>
+          <p:nvSpPr>
+            <p:cNvPr id="23" name="TextBox 22">
+              <a:extLst>
+                <a:ext uri="{FF2B5EF4-FFF2-40B4-BE49-F238E27FC236}">
+                  <a16:creationId xmlns:a16="http://schemas.microsoft.com/office/drawing/2014/main" id="{D5ED4724-65E2-1543-68F9-7EAAB90E894A}"/>
+                </a:ext>
+              </a:extLst>
+            </p:cNvPr>
+            <p:cNvSpPr txBox="1"/>
+            <p:nvPr/>
+          </p:nvSpPr>
+          <p:spPr>
+            <a:xfrm>
+              <a:off x="4551035" y="1510983"/>
+              <a:ext cx="260008" cy="253916"/>
+            </a:xfrm>
+            <a:prstGeom prst="rect">
+              <a:avLst/>
+            </a:prstGeom>
+            <a:noFill/>
+          </p:spPr>
+          <p:txBody>
+            <a:bodyPr wrap="none" rtlCol="0">
+              <a:spAutoFit/>
+            </a:bodyPr>
+            <a:lstStyle/>
+            <a:p>
+              <a:r>
+                <a:rPr lang="en-FR" sz="1050" dirty="0"/>
+                <a:t>0</a:t>
+              </a:r>
+            </a:p>
+          </p:txBody>
+        </p:sp>
+        <p:sp>
+          <p:nvSpPr>
+            <p:cNvPr id="24" name="TextBox 23">
+              <a:extLst>
+                <a:ext uri="{FF2B5EF4-FFF2-40B4-BE49-F238E27FC236}">
+                  <a16:creationId xmlns:a16="http://schemas.microsoft.com/office/drawing/2014/main" id="{F5902222-3659-A8CE-450B-E62E3C94A93C}"/>
+                </a:ext>
+              </a:extLst>
+            </p:cNvPr>
+            <p:cNvSpPr txBox="1"/>
+            <p:nvPr/>
+          </p:nvSpPr>
+          <p:spPr>
+            <a:xfrm>
+              <a:off x="6691324" y="1534072"/>
+              <a:ext cx="260008" cy="253916"/>
+            </a:xfrm>
+            <a:prstGeom prst="rect">
+              <a:avLst/>
+            </a:prstGeom>
+            <a:noFill/>
+          </p:spPr>
+          <p:txBody>
+            <a:bodyPr wrap="none" rtlCol="0">
+              <a:spAutoFit/>
+            </a:bodyPr>
+            <a:lstStyle/>
+            <a:p>
+              <a:r>
+                <a:rPr lang="en-FR" sz="1050" dirty="0"/>
+                <a:t>1</a:t>
+              </a:r>
+            </a:p>
+          </p:txBody>
+        </p:sp>
+        <p:pic>
+          <p:nvPicPr>
+            <p:cNvPr id="38" name="Picture 37">
+              <a:extLst>
+                <a:ext uri="{FF2B5EF4-FFF2-40B4-BE49-F238E27FC236}">
+                  <a16:creationId xmlns:a16="http://schemas.microsoft.com/office/drawing/2014/main" id="{6686D7E0-4EBA-B8C2-708A-AA39D0A9C733}"/>
+                </a:ext>
+              </a:extLst>
+            </p:cNvPr>
+            <p:cNvPicPr>
+              <a:picLocks noChangeAspect="1"/>
+            </p:cNvPicPr>
+            <p:nvPr/>
+          </p:nvPicPr>
+          <p:blipFill>
+            <a:blip r:embed="rId3"/>
+            <a:stretch>
+              <a:fillRect/>
+            </a:stretch>
+          </p:blipFill>
+          <p:spPr>
+            <a:xfrm>
+              <a:off x="5787475" y="1755981"/>
+              <a:ext cx="2067707" cy="1106781"/>
+            </a:xfrm>
+            <a:prstGeom prst="rect">
+              <a:avLst/>
+            </a:prstGeom>
+          </p:spPr>
+        </p:pic>
+        <p:pic>
+          <p:nvPicPr>
+            <p:cNvPr id="40" name="Picture 39">
+              <a:extLst>
+                <a:ext uri="{FF2B5EF4-FFF2-40B4-BE49-F238E27FC236}">
+                  <a16:creationId xmlns:a16="http://schemas.microsoft.com/office/drawing/2014/main" id="{44BE83BE-1ABB-D976-411C-5527F7201CB3}"/>
+                </a:ext>
+              </a:extLst>
+            </p:cNvPr>
+            <p:cNvPicPr>
+              <a:picLocks noChangeAspect="1"/>
+            </p:cNvPicPr>
+            <p:nvPr/>
+          </p:nvPicPr>
+          <p:blipFill>
+            <a:blip r:embed="rId4"/>
+            <a:stretch>
+              <a:fillRect/>
+            </a:stretch>
+          </p:blipFill>
+          <p:spPr>
+            <a:xfrm>
+              <a:off x="3647185" y="1755981"/>
+              <a:ext cx="2067708" cy="1080272"/>
+            </a:xfrm>
+            <a:prstGeom prst="rect">
+              <a:avLst/>
+            </a:prstGeom>
+          </p:spPr>
+        </p:pic>
+      </p:grpSp>
+      <p:cxnSp>
+        <p:nvCxnSpPr>
+          <p:cNvPr id="48" name="Straight Arrow Connector 47">
+            <a:extLst>
+              <a:ext uri="{FF2B5EF4-FFF2-40B4-BE49-F238E27FC236}">
+                <a16:creationId xmlns:a16="http://schemas.microsoft.com/office/drawing/2014/main" id="{BC8682AD-12BF-980C-6C35-F00EEC7FEE7B}"/>
+              </a:ext>
+            </a:extLst>
+          </p:cNvPr>
+          <p:cNvCxnSpPr>
+            <a:cxnSpLocks/>
+            <a:endCxn id="51" idx="1"/>
+          </p:cNvCxnSpPr>
+          <p:nvPr/>
+        </p:nvCxnSpPr>
+        <p:spPr>
+          <a:xfrm flipV="1">
+            <a:off x="3909391" y="1166464"/>
+            <a:ext cx="686109" cy="11451"/>
+          </a:xfrm>
+          <a:prstGeom prst="straightConnector1">
+            <a:avLst/>
+          </a:prstGeom>
+          <a:ln>
+            <a:tailEnd type="triangle"/>
+          </a:ln>
+        </p:spPr>
+        <p:style>
+          <a:lnRef idx="1">
+            <a:schemeClr val="accent1"/>
+          </a:lnRef>
+          <a:fillRef idx="0">
+            <a:schemeClr val="accent1"/>
+          </a:fillRef>
+          <a:effectRef idx="0">
+            <a:schemeClr val="accent1"/>
+          </a:effectRef>
+          <a:fontRef idx="minor">
+            <a:schemeClr val="tx1"/>
+          </a:fontRef>
+        </p:style>
+      </p:cxnSp>
+      <p:sp>
+        <p:nvSpPr>
+          <p:cNvPr id="50" name="Rectangle 49">
+            <a:extLst>
+              <a:ext uri="{FF2B5EF4-FFF2-40B4-BE49-F238E27FC236}">
+                <a16:creationId xmlns:a16="http://schemas.microsoft.com/office/drawing/2014/main" id="{27F00EFD-18DA-D645-FBAE-F2E42BCD500C}"/>
+              </a:ext>
+            </a:extLst>
+          </p:cNvPr>
+          <p:cNvSpPr/>
+          <p:nvPr/>
+        </p:nvSpPr>
+        <p:spPr>
+          <a:xfrm>
+            <a:off x="4595500" y="794605"/>
+            <a:ext cx="544842" cy="187013"/>
+          </a:xfrm>
+          <a:prstGeom prst="rect">
+            <a:avLst/>
+          </a:prstGeom>
+          <a:solidFill>
+            <a:schemeClr val="accent5">
+              <a:lumMod val="40000"/>
+              <a:lumOff val="60000"/>
+            </a:schemeClr>
+          </a:solidFill>
+        </p:spPr>
+        <p:style>
+          <a:lnRef idx="2">
+            <a:schemeClr val="accent1">
+              <a:shade val="50000"/>
+            </a:schemeClr>
+          </a:lnRef>
+          <a:fillRef idx="1">
+            <a:schemeClr val="accent1"/>
+          </a:fillRef>
+          <a:effectRef idx="0">
+            <a:schemeClr val="accent1"/>
+          </a:effectRef>
+          <a:fontRef idx="minor">
+            <a:schemeClr val="lt1"/>
+          </a:fontRef>
+        </p:style>
+        <p:txBody>
+          <a:bodyPr rtlCol="0" anchor="ctr"/>
+          <a:lstStyle/>
+          <a:p>
+            <a:pPr marL="11889" algn="ctr">
+              <a:spcBef>
+                <a:spcPts val="89"/>
+              </a:spcBef>
+            </a:pPr>
+            <a:r>
+              <a:rPr lang="en-US" sz="749" i="1" dirty="0">
+                <a:solidFill>
+                  <a:schemeClr val="tx1"/>
+                </a:solidFill>
+                <a:latin typeface="Tahoma"/>
+                <a:cs typeface="Tahoma"/>
+              </a:rPr>
+              <a:t>mouth</a:t>
+            </a:r>
+          </a:p>
+        </p:txBody>
+      </p:sp>
+      <p:sp>
+        <p:nvSpPr>
+          <p:cNvPr id="51" name="Rectangle 50">
+            <a:extLst>
+              <a:ext uri="{FF2B5EF4-FFF2-40B4-BE49-F238E27FC236}">
+                <a16:creationId xmlns:a16="http://schemas.microsoft.com/office/drawing/2014/main" id="{DA3829C0-E36D-7749-FD94-C5F62794106D}"/>
+              </a:ext>
+            </a:extLst>
+          </p:cNvPr>
+          <p:cNvSpPr/>
+          <p:nvPr/>
+        </p:nvSpPr>
+        <p:spPr>
+          <a:xfrm>
+            <a:off x="4595500" y="1072957"/>
+            <a:ext cx="544842" cy="187013"/>
+          </a:xfrm>
+          <a:prstGeom prst="rect">
+            <a:avLst/>
+          </a:prstGeom>
+          <a:solidFill>
+            <a:schemeClr val="accent5">
+              <a:lumMod val="40000"/>
+              <a:lumOff val="60000"/>
+            </a:schemeClr>
+          </a:solidFill>
+        </p:spPr>
+        <p:style>
+          <a:lnRef idx="2">
+            <a:schemeClr val="accent1">
+              <a:shade val="50000"/>
+            </a:schemeClr>
+          </a:lnRef>
+          <a:fillRef idx="1">
+            <a:schemeClr val="accent1"/>
+          </a:fillRef>
+          <a:effectRef idx="0">
+            <a:schemeClr val="accent1"/>
+          </a:effectRef>
+          <a:fontRef idx="minor">
+            <a:schemeClr val="lt1"/>
+          </a:fontRef>
+        </p:style>
+        <p:txBody>
+          <a:bodyPr rtlCol="0" anchor="ctr"/>
+          <a:lstStyle/>
+          <a:p>
+            <a:pPr marL="11889" algn="ctr">
+              <a:spcBef>
+                <a:spcPts val="89"/>
+              </a:spcBef>
+            </a:pPr>
+            <a:r>
+              <a:rPr lang="en-US" sz="749" i="1" dirty="0">
+                <a:solidFill>
+                  <a:schemeClr val="tx1"/>
+                </a:solidFill>
+                <a:latin typeface="Tahoma"/>
+                <a:cs typeface="Tahoma"/>
+              </a:rPr>
+              <a:t>fingers</a:t>
+            </a:r>
+          </a:p>
+        </p:txBody>
+      </p:sp>
+      <p:sp>
+        <p:nvSpPr>
+          <p:cNvPr id="52" name="Rectangle 51">
+            <a:extLst>
+              <a:ext uri="{FF2B5EF4-FFF2-40B4-BE49-F238E27FC236}">
+                <a16:creationId xmlns:a16="http://schemas.microsoft.com/office/drawing/2014/main" id="{21A78E66-7FB3-F23E-6701-26F97C1225CF}"/>
+              </a:ext>
+            </a:extLst>
+          </p:cNvPr>
+          <p:cNvSpPr/>
+          <p:nvPr/>
+        </p:nvSpPr>
+        <p:spPr>
+          <a:xfrm>
+            <a:off x="4595500" y="1351122"/>
+            <a:ext cx="544842" cy="187013"/>
+          </a:xfrm>
+          <a:prstGeom prst="rect">
+            <a:avLst/>
+          </a:prstGeom>
+          <a:solidFill>
+            <a:schemeClr val="accent5">
+              <a:lumMod val="40000"/>
+              <a:lumOff val="60000"/>
+            </a:schemeClr>
+          </a:solidFill>
+        </p:spPr>
+        <p:style>
+          <a:lnRef idx="2">
+            <a:schemeClr val="accent1">
+              <a:shade val="50000"/>
+            </a:schemeClr>
+          </a:lnRef>
+          <a:fillRef idx="1">
+            <a:schemeClr val="accent1"/>
+          </a:fillRef>
+          <a:effectRef idx="0">
+            <a:schemeClr val="accent1"/>
+          </a:effectRef>
+          <a:fontRef idx="minor">
+            <a:schemeClr val="lt1"/>
+          </a:fontRef>
+        </p:style>
+        <p:txBody>
+          <a:bodyPr rtlCol="0" anchor="ctr"/>
+          <a:lstStyle/>
+          <a:p>
+            <a:pPr marL="11889" algn="ctr">
+              <a:spcBef>
+                <a:spcPts val="89"/>
+              </a:spcBef>
+            </a:pPr>
+            <a:r>
+              <a:rPr lang="en-US" sz="749" i="1" dirty="0">
+                <a:solidFill>
+                  <a:schemeClr val="tx1"/>
+                </a:solidFill>
+                <a:latin typeface="Tahoma"/>
+                <a:cs typeface="Tahoma"/>
+              </a:rPr>
+              <a:t>…</a:t>
+            </a:r>
+          </a:p>
+        </p:txBody>
+      </p:sp>
+      <p:cxnSp>
+        <p:nvCxnSpPr>
+          <p:cNvPr id="53" name="Straight Arrow Connector 52">
+            <a:extLst>
+              <a:ext uri="{FF2B5EF4-FFF2-40B4-BE49-F238E27FC236}">
+                <a16:creationId xmlns:a16="http://schemas.microsoft.com/office/drawing/2014/main" id="{866D4E79-399A-4B29-4A73-9870664DFF43}"/>
+              </a:ext>
+            </a:extLst>
+          </p:cNvPr>
+          <p:cNvCxnSpPr>
+            <a:cxnSpLocks/>
+            <a:endCxn id="52" idx="1"/>
+          </p:cNvCxnSpPr>
+          <p:nvPr/>
+        </p:nvCxnSpPr>
+        <p:spPr>
+          <a:xfrm>
+            <a:off x="3904511" y="1259970"/>
+            <a:ext cx="690989" cy="184659"/>
+          </a:xfrm>
+          <a:prstGeom prst="straightConnector1">
+            <a:avLst/>
+          </a:prstGeom>
+          <a:ln>
+            <a:tailEnd type="triangle"/>
+          </a:ln>
+        </p:spPr>
+        <p:style>
+          <a:lnRef idx="1">
+            <a:schemeClr val="accent1"/>
+          </a:lnRef>
+          <a:fillRef idx="0">
+            <a:schemeClr val="accent1"/>
+          </a:fillRef>
+          <a:effectRef idx="0">
+            <a:schemeClr val="accent1"/>
+          </a:effectRef>
+          <a:fontRef idx="minor">
+            <a:schemeClr val="tx1"/>
+          </a:fontRef>
+        </p:style>
+      </p:cxnSp>
+      <p:cxnSp>
+        <p:nvCxnSpPr>
+          <p:cNvPr id="55" name="Straight Arrow Connector 54">
+            <a:extLst>
+              <a:ext uri="{FF2B5EF4-FFF2-40B4-BE49-F238E27FC236}">
+                <a16:creationId xmlns:a16="http://schemas.microsoft.com/office/drawing/2014/main" id="{4F1A05FB-5243-D8ED-0CE7-878C7CDE6B50}"/>
+              </a:ext>
+            </a:extLst>
+          </p:cNvPr>
+          <p:cNvCxnSpPr>
+            <a:cxnSpLocks/>
+            <a:endCxn id="50" idx="1"/>
+          </p:cNvCxnSpPr>
+          <p:nvPr/>
+        </p:nvCxnSpPr>
+        <p:spPr>
+          <a:xfrm flipV="1">
+            <a:off x="3904511" y="888112"/>
+            <a:ext cx="690989" cy="196297"/>
+          </a:xfrm>
+          <a:prstGeom prst="straightConnector1">
+            <a:avLst/>
+          </a:prstGeom>
+          <a:ln>
+            <a:tailEnd type="triangle"/>
+          </a:ln>
+        </p:spPr>
+        <p:style>
+          <a:lnRef idx="1">
+            <a:schemeClr val="accent1"/>
+          </a:lnRef>
+          <a:fillRef idx="0">
+            <a:schemeClr val="accent1"/>
+          </a:fillRef>
+          <a:effectRef idx="0">
+            <a:schemeClr val="accent1"/>
+          </a:effectRef>
+          <a:fontRef idx="minor">
+            <a:schemeClr val="tx1"/>
+          </a:fontRef>
+        </p:style>
+      </p:cxnSp>
+      <p:cxnSp>
+        <p:nvCxnSpPr>
+          <p:cNvPr id="57" name="Straight Arrow Connector 56">
+            <a:extLst>
+              <a:ext uri="{FF2B5EF4-FFF2-40B4-BE49-F238E27FC236}">
+                <a16:creationId xmlns:a16="http://schemas.microsoft.com/office/drawing/2014/main" id="{31CA18F3-4397-1F35-FAE5-D5E8225EB758}"/>
+              </a:ext>
+            </a:extLst>
+          </p:cNvPr>
+          <p:cNvCxnSpPr>
+            <a:cxnSpLocks/>
+            <a:endCxn id="58" idx="1"/>
+          </p:cNvCxnSpPr>
+          <p:nvPr/>
+        </p:nvCxnSpPr>
+        <p:spPr>
+          <a:xfrm flipV="1">
+            <a:off x="2801406" y="2426954"/>
+            <a:ext cx="738442" cy="76833"/>
+          </a:xfrm>
+          <a:prstGeom prst="straightConnector1">
+            <a:avLst/>
+          </a:prstGeom>
+          <a:ln>
+            <a:tailEnd type="triangle"/>
+          </a:ln>
+        </p:spPr>
+        <p:style>
+          <a:lnRef idx="1">
+            <a:schemeClr val="accent1"/>
+          </a:lnRef>
+          <a:fillRef idx="0">
+            <a:schemeClr val="accent1"/>
+          </a:fillRef>
+          <a:effectRef idx="0">
+            <a:schemeClr val="accent1"/>
+          </a:effectRef>
+          <a:fontRef idx="minor">
+            <a:schemeClr val="tx1"/>
+          </a:fontRef>
+        </p:style>
+      </p:cxnSp>
+      <p:sp>
+        <p:nvSpPr>
+          <p:cNvPr id="58" name="Rectangle 57">
+            <a:extLst>
+              <a:ext uri="{FF2B5EF4-FFF2-40B4-BE49-F238E27FC236}">
+                <a16:creationId xmlns:a16="http://schemas.microsoft.com/office/drawing/2014/main" id="{A46DA619-1864-F6BB-1201-3F6B80DF9BD5}"/>
+              </a:ext>
+            </a:extLst>
+          </p:cNvPr>
+          <p:cNvSpPr/>
+          <p:nvPr/>
+        </p:nvSpPr>
+        <p:spPr>
+          <a:xfrm>
+            <a:off x="3539848" y="2333447"/>
+            <a:ext cx="544842" cy="187013"/>
+          </a:xfrm>
+          <a:prstGeom prst="rect">
+            <a:avLst/>
+          </a:prstGeom>
+          <a:solidFill>
+            <a:schemeClr val="accent5">
+              <a:lumMod val="40000"/>
+              <a:lumOff val="60000"/>
+            </a:schemeClr>
+          </a:solidFill>
+        </p:spPr>
+        <p:style>
+          <a:lnRef idx="2">
+            <a:schemeClr val="accent1">
+              <a:shade val="50000"/>
+            </a:schemeClr>
+          </a:lnRef>
+          <a:fillRef idx="1">
+            <a:schemeClr val="accent1"/>
+          </a:fillRef>
+          <a:effectRef idx="0">
+            <a:schemeClr val="accent1"/>
+          </a:effectRef>
+          <a:fontRef idx="minor">
+            <a:schemeClr val="lt1"/>
+          </a:fontRef>
+        </p:style>
+        <p:txBody>
+          <a:bodyPr rtlCol="0" anchor="ctr"/>
+          <a:lstStyle/>
+          <a:p>
+            <a:pPr marL="11889" algn="ctr">
+              <a:spcBef>
+                <a:spcPts val="89"/>
+              </a:spcBef>
+            </a:pPr>
+            <a:r>
+              <a:rPr lang="en-US" sz="749" i="1" dirty="0">
+                <a:solidFill>
+                  <a:schemeClr val="tx1"/>
+                </a:solidFill>
+                <a:latin typeface="Tahoma"/>
+                <a:cs typeface="Tahoma"/>
+              </a:rPr>
+              <a:t>fingers</a:t>
+            </a:r>
+          </a:p>
+        </p:txBody>
+      </p:sp>
+      <p:sp>
+        <p:nvSpPr>
+          <p:cNvPr id="59" name="Rectangle 58">
+            <a:extLst>
+              <a:ext uri="{FF2B5EF4-FFF2-40B4-BE49-F238E27FC236}">
+                <a16:creationId xmlns:a16="http://schemas.microsoft.com/office/drawing/2014/main" id="{EAA359D8-3A70-30C9-4BC1-2CD1023374AE}"/>
+              </a:ext>
+            </a:extLst>
+          </p:cNvPr>
+          <p:cNvSpPr/>
+          <p:nvPr/>
+        </p:nvSpPr>
+        <p:spPr>
+          <a:xfrm>
+            <a:off x="3551715" y="2769722"/>
+            <a:ext cx="544842" cy="187013"/>
+          </a:xfrm>
+          <a:prstGeom prst="rect">
+            <a:avLst/>
+          </a:prstGeom>
+          <a:solidFill>
+            <a:schemeClr val="accent5">
+              <a:lumMod val="40000"/>
+              <a:lumOff val="60000"/>
+            </a:schemeClr>
+          </a:solidFill>
+        </p:spPr>
+        <p:style>
+          <a:lnRef idx="2">
+            <a:schemeClr val="accent1">
+              <a:shade val="50000"/>
+            </a:schemeClr>
+          </a:lnRef>
+          <a:fillRef idx="1">
+            <a:schemeClr val="accent1"/>
+          </a:fillRef>
+          <a:effectRef idx="0">
+            <a:schemeClr val="accent1"/>
+          </a:effectRef>
+          <a:fontRef idx="minor">
+            <a:schemeClr val="lt1"/>
+          </a:fontRef>
+        </p:style>
+        <p:txBody>
+          <a:bodyPr rtlCol="0" anchor="ctr"/>
+          <a:lstStyle/>
+          <a:p>
+            <a:pPr marL="11889" algn="ctr">
+              <a:spcBef>
+                <a:spcPts val="89"/>
+              </a:spcBef>
+            </a:pPr>
+            <a:r>
+              <a:rPr lang="en-US" sz="749" i="1" dirty="0">
+                <a:solidFill>
+                  <a:schemeClr val="tx1"/>
+                </a:solidFill>
+                <a:latin typeface="Tahoma"/>
+                <a:cs typeface="Tahoma"/>
+              </a:rPr>
+              <a:t>…</a:t>
+            </a:r>
+          </a:p>
+        </p:txBody>
+      </p:sp>
+      <p:cxnSp>
+        <p:nvCxnSpPr>
+          <p:cNvPr id="61" name="Straight Arrow Connector 60">
+            <a:extLst>
+              <a:ext uri="{FF2B5EF4-FFF2-40B4-BE49-F238E27FC236}">
+                <a16:creationId xmlns:a16="http://schemas.microsoft.com/office/drawing/2014/main" id="{9B208ECC-6D63-E9C9-1E85-E18EE8875880}"/>
+              </a:ext>
+            </a:extLst>
+          </p:cNvPr>
+          <p:cNvCxnSpPr>
+            <a:cxnSpLocks/>
+            <a:endCxn id="59" idx="1"/>
+          </p:cNvCxnSpPr>
+          <p:nvPr/>
+        </p:nvCxnSpPr>
+        <p:spPr>
+          <a:xfrm>
+            <a:off x="2825329" y="2726830"/>
+            <a:ext cx="726386" cy="136399"/>
+          </a:xfrm>
+          <a:prstGeom prst="straightConnector1">
+            <a:avLst/>
+          </a:prstGeom>
+          <a:ln>
+            <a:tailEnd type="triangle"/>
+          </a:ln>
+        </p:spPr>
+        <p:style>
+          <a:lnRef idx="1">
+            <a:schemeClr val="accent1"/>
+          </a:lnRef>
+          <a:fillRef idx="0">
+            <a:schemeClr val="accent1"/>
+          </a:fillRef>
+          <a:effectRef idx="0">
+            <a:schemeClr val="accent1"/>
+          </a:effectRef>
+          <a:fontRef idx="minor">
+            <a:schemeClr val="tx1"/>
+          </a:fontRef>
+        </p:style>
+      </p:cxnSp>
+      <p:cxnSp>
+        <p:nvCxnSpPr>
+          <p:cNvPr id="84" name="Straight Arrow Connector 83">
+            <a:extLst>
+              <a:ext uri="{FF2B5EF4-FFF2-40B4-BE49-F238E27FC236}">
+                <a16:creationId xmlns:a16="http://schemas.microsoft.com/office/drawing/2014/main" id="{6DE15A64-CB45-5A35-FE0C-2C4E3BAF66A6}"/>
+              </a:ext>
+            </a:extLst>
+          </p:cNvPr>
+          <p:cNvCxnSpPr>
+            <a:cxnSpLocks/>
+            <a:stCxn id="18" idx="3"/>
+            <a:endCxn id="86" idx="1"/>
+          </p:cNvCxnSpPr>
+          <p:nvPr/>
+        </p:nvCxnSpPr>
+        <p:spPr>
+          <a:xfrm flipV="1">
+            <a:off x="4053019" y="1953548"/>
+            <a:ext cx="459710" cy="11605"/>
+          </a:xfrm>
+          <a:prstGeom prst="straightConnector1">
+            <a:avLst/>
+          </a:prstGeom>
+          <a:ln>
+            <a:tailEnd type="triangle"/>
+          </a:ln>
+        </p:spPr>
+        <p:style>
+          <a:lnRef idx="1">
+            <a:schemeClr val="accent1"/>
+          </a:lnRef>
+          <a:fillRef idx="0">
+            <a:schemeClr val="accent1"/>
+          </a:fillRef>
+          <a:effectRef idx="0">
+            <a:schemeClr val="accent1"/>
+          </a:effectRef>
+          <a:fontRef idx="minor">
+            <a:schemeClr val="tx1"/>
+          </a:fontRef>
+        </p:style>
+      </p:cxnSp>
+      <p:sp>
+        <p:nvSpPr>
+          <p:cNvPr id="86" name="Rectangle 85">
+            <a:extLst>
+              <a:ext uri="{FF2B5EF4-FFF2-40B4-BE49-F238E27FC236}">
+                <a16:creationId xmlns:a16="http://schemas.microsoft.com/office/drawing/2014/main" id="{2906E6F6-BE98-587F-2B90-2122E86AFEC3}"/>
+              </a:ext>
+            </a:extLst>
+          </p:cNvPr>
+          <p:cNvSpPr/>
+          <p:nvPr/>
+        </p:nvSpPr>
+        <p:spPr>
+          <a:xfrm>
+            <a:off x="4512729" y="1805157"/>
+            <a:ext cx="615747" cy="296782"/>
+          </a:xfrm>
+          <a:prstGeom prst="rect">
+            <a:avLst/>
+          </a:prstGeom>
+          <a:solidFill>
+            <a:schemeClr val="accent5">
+              <a:lumMod val="40000"/>
+              <a:lumOff val="60000"/>
+            </a:schemeClr>
+          </a:solidFill>
+        </p:spPr>
+        <p:style>
+          <a:lnRef idx="2">
+            <a:schemeClr val="accent1">
+              <a:shade val="50000"/>
+            </a:schemeClr>
+          </a:lnRef>
+          <a:fillRef idx="1">
+            <a:schemeClr val="accent1"/>
+          </a:fillRef>
+          <a:effectRef idx="0">
+            <a:schemeClr val="accent1"/>
+          </a:effectRef>
+          <a:fontRef idx="minor">
+            <a:schemeClr val="lt1"/>
+          </a:fontRef>
+        </p:style>
+        <p:txBody>
+          <a:bodyPr rtlCol="0" anchor="ctr"/>
+          <a:lstStyle/>
+          <a:p>
+            <a:pPr marL="11889" algn="ctr">
+              <a:spcBef>
+                <a:spcPts val="89"/>
+              </a:spcBef>
+            </a:pPr>
+            <a:r>
+              <a:rPr lang="en-US" sz="749" i="1" dirty="0" err="1">
+                <a:solidFill>
+                  <a:schemeClr val="tx1"/>
+                </a:solidFill>
+                <a:latin typeface="Tahoma"/>
+                <a:cs typeface="Tahoma"/>
+              </a:rPr>
+              <a:t>bodylean</a:t>
+            </a:r>
+            <a:endParaRPr lang="en-US" sz="749" i="1" dirty="0">
+              <a:solidFill>
+                <a:schemeClr val="tx1"/>
+              </a:solidFill>
+              <a:latin typeface="Tahoma"/>
+              <a:cs typeface="Tahoma"/>
+            </a:endParaRPr>
+          </a:p>
+        </p:txBody>
+      </p:sp>
+      <p:sp>
+        <p:nvSpPr>
+          <p:cNvPr id="108" name="Up Arrow 107">
+            <a:extLst>
+              <a:ext uri="{FF2B5EF4-FFF2-40B4-BE49-F238E27FC236}">
+                <a16:creationId xmlns:a16="http://schemas.microsoft.com/office/drawing/2014/main" id="{243797E4-A3DF-899E-65B2-98995E6F8B28}"/>
+              </a:ext>
+            </a:extLst>
+          </p:cNvPr>
+          <p:cNvSpPr/>
+          <p:nvPr/>
+        </p:nvSpPr>
+        <p:spPr>
+          <a:xfrm>
+            <a:off x="1166540" y="2407011"/>
+            <a:ext cx="45719" cy="441435"/>
+          </a:xfrm>
+          <a:prstGeom prst="upArrow">
+            <a:avLst/>
+          </a:prstGeom>
+        </p:spPr>
+        <p:style>
+          <a:lnRef idx="2">
+            <a:schemeClr val="accent1">
+              <a:shade val="50000"/>
+            </a:schemeClr>
+          </a:lnRef>
+          <a:fillRef idx="1">
+            <a:schemeClr val="accent1"/>
+          </a:fillRef>
+          <a:effectRef idx="0">
+            <a:schemeClr val="accent1"/>
+          </a:effectRef>
+          <a:fontRef idx="minor">
+            <a:schemeClr val="lt1"/>
+          </a:fontRef>
+        </p:style>
+        <p:txBody>
+          <a:bodyPr rtlCol="0" anchor="ctr"/>
+          <a:lstStyle/>
+          <a:p>
+            <a:pPr algn="ctr"/>
+            <a:endParaRPr lang="en-FR"/>
+          </a:p>
+        </p:txBody>
+      </p:sp>
+      <p:sp>
+        <p:nvSpPr>
+          <p:cNvPr id="109" name="Up Arrow 108">
+            <a:extLst>
+              <a:ext uri="{FF2B5EF4-FFF2-40B4-BE49-F238E27FC236}">
+                <a16:creationId xmlns:a16="http://schemas.microsoft.com/office/drawing/2014/main" id="{3FB5226A-6E2E-0D81-C06E-CA0E5C7EF83B}"/>
+              </a:ext>
+            </a:extLst>
+          </p:cNvPr>
+          <p:cNvSpPr/>
+          <p:nvPr/>
+        </p:nvSpPr>
+        <p:spPr>
+          <a:xfrm>
+            <a:off x="2506125" y="2863228"/>
+            <a:ext cx="45719" cy="441435"/>
+          </a:xfrm>
+          <a:prstGeom prst="upArrow">
+            <a:avLst/>
+          </a:prstGeom>
+        </p:spPr>
+        <p:style>
+          <a:lnRef idx="2">
+            <a:schemeClr val="accent1">
+              <a:shade val="50000"/>
+            </a:schemeClr>
+          </a:lnRef>
+          <a:fillRef idx="1">
+            <a:schemeClr val="accent1"/>
+          </a:fillRef>
+          <a:effectRef idx="0">
+            <a:schemeClr val="accent1"/>
+          </a:effectRef>
+          <a:fontRef idx="minor">
+            <a:schemeClr val="lt1"/>
+          </a:fontRef>
+        </p:style>
+        <p:txBody>
+          <a:bodyPr rtlCol="0" anchor="ctr"/>
+          <a:lstStyle/>
+          <a:p>
+            <a:pPr algn="ctr"/>
+            <a:endParaRPr lang="en-FR"/>
+          </a:p>
+        </p:txBody>
+      </p:sp>
+      <p:sp>
+        <p:nvSpPr>
+          <p:cNvPr id="110" name="Up Arrow 109">
+            <a:extLst>
+              <a:ext uri="{FF2B5EF4-FFF2-40B4-BE49-F238E27FC236}">
+                <a16:creationId xmlns:a16="http://schemas.microsoft.com/office/drawing/2014/main" id="{B5A79205-4D6A-185A-AF1C-FB965A1A3BF3}"/>
+              </a:ext>
+            </a:extLst>
+          </p:cNvPr>
+          <p:cNvSpPr/>
+          <p:nvPr/>
+        </p:nvSpPr>
+        <p:spPr>
+          <a:xfrm>
+            <a:off x="3812269" y="3029618"/>
+            <a:ext cx="45719" cy="441435"/>
+          </a:xfrm>
+          <a:prstGeom prst="upArrow">
+            <a:avLst/>
+          </a:prstGeom>
+        </p:spPr>
+        <p:style>
+          <a:lnRef idx="2">
+            <a:schemeClr val="accent1">
+              <a:shade val="50000"/>
+            </a:schemeClr>
+          </a:lnRef>
+          <a:fillRef idx="1">
+            <a:schemeClr val="accent1"/>
+          </a:fillRef>
+          <a:effectRef idx="0">
+            <a:schemeClr val="accent1"/>
+          </a:effectRef>
+          <a:fontRef idx="minor">
+            <a:schemeClr val="lt1"/>
+          </a:fontRef>
+        </p:style>
+        <p:txBody>
+          <a:bodyPr rtlCol="0" anchor="ctr"/>
+          <a:lstStyle/>
+          <a:p>
+            <a:pPr algn="ctr"/>
+            <a:endParaRPr lang="en-FR"/>
+          </a:p>
+        </p:txBody>
+      </p:sp>
+      <p:pic>
+        <p:nvPicPr>
+          <p:cNvPr id="2" name="Picture 2" descr="What is the difference between a symphony and an orchestra">
+            <a:extLst>
+              <a:ext uri="{FF2B5EF4-FFF2-40B4-BE49-F238E27FC236}">
+                <a16:creationId xmlns:a16="http://schemas.microsoft.com/office/drawing/2014/main" id="{8B9F2792-0048-65A3-1748-19E7925402A3}"/>
+              </a:ext>
+            </a:extLst>
+          </p:cNvPr>
+          <p:cNvPicPr>
+            <a:picLocks noChangeAspect="1" noChangeArrowheads="1"/>
+          </p:cNvPicPr>
+          <p:nvPr/>
+        </p:nvPicPr>
+        <p:blipFill>
+          <a:blip r:embed="rId5">
+            <a:extLst>
+              <a:ext uri="{28A0092B-C50C-407E-A947-70E740481C1C}">
+                <a14:useLocalDpi xmlns:a14="http://schemas.microsoft.com/office/drawing/2010/main" val="0"/>
+              </a:ext>
+            </a:extLst>
+          </a:blip>
+          <a:srcRect/>
+          <a:stretch>
+            <a:fillRect/>
+          </a:stretch>
+        </p:blipFill>
+        <p:spPr bwMode="auto">
+          <a:xfrm>
+            <a:off x="115452" y="3088750"/>
+            <a:ext cx="1818465" cy="824939"/>
+          </a:xfrm>
+          <a:prstGeom prst="rect">
+            <a:avLst/>
+          </a:prstGeom>
+          <a:noFill/>
+          <a:extLst>
+            <a:ext uri="{909E8E84-426E-40DD-AFC4-6F175D3DCCD1}">
+              <a14:hiddenFill xmlns:a14="http://schemas.microsoft.com/office/drawing/2010/main">
+                <a:solidFill>
+                  <a:srgbClr val="FFFFFF"/>
+                </a:solidFill>
+              </a14:hiddenFill>
+            </a:ext>
+          </a:extLst>
+        </p:spPr>
+      </p:pic>
+      <p:pic>
+        <p:nvPicPr>
+          <p:cNvPr id="5" name="Picture 4" descr="VIOLIN SCHÖNBACH Bohemia Violon acoustique">
+            <a:extLst>
+              <a:ext uri="{FF2B5EF4-FFF2-40B4-BE49-F238E27FC236}">
+                <a16:creationId xmlns:a16="http://schemas.microsoft.com/office/drawing/2014/main" id="{326F7592-1864-C8E2-9E00-32CDAE354B2E}"/>
+              </a:ext>
+            </a:extLst>
+          </p:cNvPr>
+          <p:cNvPicPr>
+            <a:picLocks noChangeAspect="1" noChangeArrowheads="1"/>
+          </p:cNvPicPr>
+          <p:nvPr/>
+        </p:nvPicPr>
+        <p:blipFill>
+          <a:blip r:embed="rId6">
+            <a:extLst>
+              <a:ext uri="{28A0092B-C50C-407E-A947-70E740481C1C}">
+                <a14:useLocalDpi xmlns:a14="http://schemas.microsoft.com/office/drawing/2010/main" val="0"/>
+              </a:ext>
+            </a:extLst>
+          </a:blip>
+          <a:srcRect/>
+          <a:stretch>
+            <a:fillRect/>
+          </a:stretch>
+        </p:blipFill>
+        <p:spPr bwMode="auto">
+          <a:xfrm>
+            <a:off x="2312023" y="3448144"/>
+            <a:ext cx="438478" cy="1216326"/>
+          </a:xfrm>
+          <a:prstGeom prst="rect">
+            <a:avLst/>
+          </a:prstGeom>
+          <a:noFill/>
+          <a:extLst>
+            <a:ext uri="{909E8E84-426E-40DD-AFC4-6F175D3DCCD1}">
+              <a14:hiddenFill xmlns:a14="http://schemas.microsoft.com/office/drawing/2010/main">
+                <a:solidFill>
+                  <a:srgbClr val="FFFFFF"/>
+                </a:solidFill>
+              </a14:hiddenFill>
+            </a:ext>
+          </a:extLst>
+        </p:spPr>
+      </p:pic>
+      <p:pic>
+        <p:nvPicPr>
+          <p:cNvPr id="6" name="Picture 6" descr="Easy Songs from Classical Music for Violin (Free Sheet Music) — Meadowlark  Violin Studio">
+            <a:extLst>
+              <a:ext uri="{FF2B5EF4-FFF2-40B4-BE49-F238E27FC236}">
+                <a16:creationId xmlns:a16="http://schemas.microsoft.com/office/drawing/2014/main" id="{34A7D84A-6E93-62FC-33B5-4C7C5A05AF08}"/>
+              </a:ext>
+            </a:extLst>
+          </p:cNvPr>
+          <p:cNvPicPr>
+            <a:picLocks noChangeAspect="1" noChangeArrowheads="1"/>
+          </p:cNvPicPr>
+          <p:nvPr/>
+        </p:nvPicPr>
+        <p:blipFill>
+          <a:blip r:embed="rId7">
+            <a:extLst>
+              <a:ext uri="{28A0092B-C50C-407E-A947-70E740481C1C}">
+                <a14:useLocalDpi xmlns:a14="http://schemas.microsoft.com/office/drawing/2010/main" val="0"/>
+              </a:ext>
+            </a:extLst>
+          </a:blip>
+          <a:srcRect/>
+          <a:stretch>
+            <a:fillRect/>
+          </a:stretch>
+        </p:blipFill>
+        <p:spPr bwMode="auto">
+          <a:xfrm>
+            <a:off x="3010706" y="3647800"/>
+            <a:ext cx="1573310" cy="875154"/>
+          </a:xfrm>
+          <a:prstGeom prst="rect">
+            <a:avLst/>
+          </a:prstGeom>
+          <a:noFill/>
+          <a:extLst>
+            <a:ext uri="{909E8E84-426E-40DD-AFC4-6F175D3DCCD1}">
+              <a14:hiddenFill xmlns:a14="http://schemas.microsoft.com/office/drawing/2010/main">
+                <a:solidFill>
+                  <a:srgbClr val="FFFFFF"/>
+                </a:solidFill>
+              </a14:hiddenFill>
+            </a:ext>
+          </a:extLst>
+        </p:spPr>
+      </p:pic>
+      <p:pic>
+        <p:nvPicPr>
+          <p:cNvPr id="9" name="Picture 8">
+            <a:extLst>
+              <a:ext uri="{FF2B5EF4-FFF2-40B4-BE49-F238E27FC236}">
+                <a16:creationId xmlns:a16="http://schemas.microsoft.com/office/drawing/2014/main" id="{D3F8463C-23DF-4B45-D81B-CD3DD6FB47FF}"/>
+              </a:ext>
+            </a:extLst>
+          </p:cNvPr>
+          <p:cNvPicPr>
+            <a:picLocks noChangeAspect="1"/>
+          </p:cNvPicPr>
+          <p:nvPr/>
+        </p:nvPicPr>
+        <p:blipFill>
+          <a:blip r:embed="rId8"/>
+          <a:stretch>
+            <a:fillRect/>
+          </a:stretch>
+        </p:blipFill>
+        <p:spPr>
+          <a:xfrm>
+            <a:off x="6493205" y="435334"/>
+            <a:ext cx="2219503" cy="2219503"/>
+          </a:xfrm>
+          <a:prstGeom prst="rect">
+            <a:avLst/>
+          </a:prstGeom>
+        </p:spPr>
+      </p:pic>
     </p:spTree>
     <p:extLst>
       <p:ext uri="{BB962C8B-B14F-4D97-AF65-F5344CB8AC3E}">
